--- a/class_presentation/Dont_trust_that_storage_medium.pptx
+++ b/class_presentation/Dont_trust_that_storage_medium.pptx
@@ -5,20 +5,22 @@
     <p:sldMasterId id="2147483648" r:id="rId4"/>
   </p:sldMasterIdLst>
   <p:notesMasterIdLst>
-    <p:notesMasterId r:id="rId16"/>
+    <p:notesMasterId r:id="rId18"/>
   </p:notesMasterIdLst>
   <p:sldIdLst>
     <p:sldId id="256" r:id="rId5"/>
     <p:sldId id="259" r:id="rId6"/>
     <p:sldId id="262" r:id="rId7"/>
     <p:sldId id="260" r:id="rId8"/>
-    <p:sldId id="263" r:id="rId9"/>
-    <p:sldId id="261" r:id="rId10"/>
-    <p:sldId id="264" r:id="rId11"/>
-    <p:sldId id="265" r:id="rId12"/>
-    <p:sldId id="266" r:id="rId13"/>
-    <p:sldId id="267" r:id="rId14"/>
-    <p:sldId id="258" r:id="rId15"/>
+    <p:sldId id="266" r:id="rId9"/>
+    <p:sldId id="263" r:id="rId10"/>
+    <p:sldId id="269" r:id="rId11"/>
+    <p:sldId id="268" r:id="rId12"/>
+    <p:sldId id="261" r:id="rId13"/>
+    <p:sldId id="264" r:id="rId14"/>
+    <p:sldId id="265" r:id="rId15"/>
+    <p:sldId id="267" r:id="rId16"/>
+    <p:sldId id="258" r:id="rId17"/>
   </p:sldIdLst>
   <p:sldSz cx="12192000" cy="6858000"/>
   <p:notesSz cx="6858000" cy="9144000"/>
@@ -6862,6 +6864,389 @@
         <p:cNvPr id="1" name="">
           <a:extLst>
             <a:ext uri="{FF2B5EF4-FFF2-40B4-BE49-F238E27FC236}">
+              <a16:creationId xmlns:a16="http://schemas.microsoft.com/office/drawing/2014/main" id="{DD0EF47D-6CB2-85FF-9FEE-4109121933D1}"/>
+            </a:ext>
+          </a:extLst>
+        </p:cNvPr>
+        <p:cNvGrpSpPr/>
+        <p:nvPr/>
+      </p:nvGrpSpPr>
+      <p:grpSpPr>
+        <a:xfrm>
+          <a:off x="0" y="0"/>
+          <a:ext cx="0" cy="0"/>
+          <a:chOff x="0" y="0"/>
+          <a:chExt cx="0" cy="0"/>
+        </a:xfrm>
+      </p:grpSpPr>
+      <p:sp>
+        <p:nvSpPr>
+          <p:cNvPr id="2" name="Title 1">
+            <a:extLst>
+              <a:ext uri="{FF2B5EF4-FFF2-40B4-BE49-F238E27FC236}">
+                <a16:creationId xmlns:a16="http://schemas.microsoft.com/office/drawing/2014/main" id="{3AADAF8D-DA92-759A-8384-B40D38D2468E}"/>
+              </a:ext>
+            </a:extLst>
+          </p:cNvPr>
+          <p:cNvSpPr>
+            <a:spLocks noGrp="1"/>
+          </p:cNvSpPr>
+          <p:nvPr>
+            <p:ph type="title"/>
+          </p:nvPr>
+        </p:nvSpPr>
+        <p:spPr/>
+        <p:txBody>
+          <a:bodyPr/>
+          <a:lstStyle/>
+          <a:p>
+            <a:r>
+              <a:rPr lang="en-US" sz="3600" dirty="0"/>
+              <a:t>Optical media</a:t>
+            </a:r>
+          </a:p>
+        </p:txBody>
+      </p:sp>
+      <p:sp>
+        <p:nvSpPr>
+          <p:cNvPr id="3" name="Content Placeholder 2">
+            <a:extLst>
+              <a:ext uri="{FF2B5EF4-FFF2-40B4-BE49-F238E27FC236}">
+                <a16:creationId xmlns:a16="http://schemas.microsoft.com/office/drawing/2014/main" id="{45C2B7D2-BAD0-39A1-E263-091A50833571}"/>
+              </a:ext>
+            </a:extLst>
+          </p:cNvPr>
+          <p:cNvSpPr>
+            <a:spLocks noGrp="1"/>
+          </p:cNvSpPr>
+          <p:nvPr>
+            <p:ph sz="half" idx="2"/>
+          </p:nvPr>
+        </p:nvSpPr>
+        <p:spPr/>
+        <p:txBody>
+          <a:bodyPr/>
+          <a:lstStyle/>
+          <a:p>
+            <a:r>
+              <a:rPr lang="en-US" dirty="0"/>
+              <a:t>Optical discs aren’t that widely used as in the past, but they still have a place in IT. </a:t>
+            </a:r>
+          </a:p>
+          <a:p>
+            <a:r>
+              <a:rPr lang="en-US" dirty="0"/>
+              <a:t> </a:t>
+            </a:r>
+          </a:p>
+          <a:p>
+            <a:pPr marL="0" indent="0">
+              <a:buNone/>
+            </a:pPr>
+            <a:endParaRPr lang="en-US" dirty="0"/>
+          </a:p>
+        </p:txBody>
+      </p:sp>
+      <p:sp>
+        <p:nvSpPr>
+          <p:cNvPr id="4" name="Date Placeholder 3">
+            <a:extLst>
+              <a:ext uri="{FF2B5EF4-FFF2-40B4-BE49-F238E27FC236}">
+                <a16:creationId xmlns:a16="http://schemas.microsoft.com/office/drawing/2014/main" id="{17F6E555-BE74-8B59-C33B-9F4DC7F5435E}"/>
+              </a:ext>
+            </a:extLst>
+          </p:cNvPr>
+          <p:cNvSpPr>
+            <a:spLocks noGrp="1"/>
+          </p:cNvSpPr>
+          <p:nvPr>
+            <p:ph type="dt" sz="half" idx="10"/>
+          </p:nvPr>
+        </p:nvSpPr>
+        <p:spPr/>
+        <p:txBody>
+          <a:bodyPr/>
+          <a:lstStyle/>
+          <a:p>
+            <a:fld id="{11EDCD7B-6966-E249-89F2-D46BDFBF56BE}" type="datetime1">
+              <a:rPr lang="fi-FI" smtClean="0"/>
+              <a:t>27.11.2024</a:t>
+            </a:fld>
+            <a:endParaRPr lang="en-GB" dirty="0"/>
+          </a:p>
+        </p:txBody>
+      </p:sp>
+      <p:sp>
+        <p:nvSpPr>
+          <p:cNvPr id="5" name="Footer Placeholder 4">
+            <a:extLst>
+              <a:ext uri="{FF2B5EF4-FFF2-40B4-BE49-F238E27FC236}">
+                <a16:creationId xmlns:a16="http://schemas.microsoft.com/office/drawing/2014/main" id="{B4FB9E04-28EE-7BC8-0576-CE96F176DC2B}"/>
+              </a:ext>
+            </a:extLst>
+          </p:cNvPr>
+          <p:cNvSpPr>
+            <a:spLocks noGrp="1"/>
+          </p:cNvSpPr>
+          <p:nvPr>
+            <p:ph type="ftr" sz="quarter" idx="11"/>
+          </p:nvPr>
+        </p:nvSpPr>
+        <p:spPr/>
+        <p:txBody>
+          <a:bodyPr>
+            <a:normAutofit fontScale="92500" lnSpcReduction="20000"/>
+          </a:bodyPr>
+          <a:lstStyle/>
+          <a:p>
+            <a:endParaRPr lang="en-US" dirty="0"/>
+          </a:p>
+          <a:p>
+            <a:endParaRPr lang="en-US" dirty="0"/>
+          </a:p>
+          <a:p>
+            <a:r>
+              <a:rPr lang="en-US" dirty="0"/>
+              <a:t>ICT Security Basics from Trust to Blockchain - ICT4HM103-3006 </a:t>
+            </a:r>
+            <a:endParaRPr lang="en-GB" dirty="0"/>
+          </a:p>
+        </p:txBody>
+      </p:sp>
+      <p:sp>
+        <p:nvSpPr>
+          <p:cNvPr id="6" name="Slide Number Placeholder 5">
+            <a:extLst>
+              <a:ext uri="{FF2B5EF4-FFF2-40B4-BE49-F238E27FC236}">
+                <a16:creationId xmlns:a16="http://schemas.microsoft.com/office/drawing/2014/main" id="{7015DF74-EFC0-9C35-288B-A71D3933A63B}"/>
+              </a:ext>
+            </a:extLst>
+          </p:cNvPr>
+          <p:cNvSpPr>
+            <a:spLocks noGrp="1"/>
+          </p:cNvSpPr>
+          <p:nvPr>
+            <p:ph type="sldNum" sz="quarter" idx="12"/>
+          </p:nvPr>
+        </p:nvSpPr>
+        <p:spPr/>
+        <p:txBody>
+          <a:bodyPr/>
+          <a:lstStyle/>
+          <a:p>
+            <a:fld id="{76BAB7ED-EDE9-4D4B-9A2D-30E18C47C16E}" type="slidenum">
+              <a:rPr lang="en-GB" smtClean="0"/>
+              <a:t>9</a:t>
+            </a:fld>
+            <a:endParaRPr lang="en-GB" dirty="0"/>
+          </a:p>
+        </p:txBody>
+      </p:sp>
+    </p:spTree>
+    <p:extLst>
+      <p:ext uri="{BB962C8B-B14F-4D97-AF65-F5344CB8AC3E}">
+        <p14:creationId xmlns:p14="http://schemas.microsoft.com/office/powerpoint/2010/main" val="486125359"/>
+      </p:ext>
+    </p:extLst>
+  </p:cSld>
+  <p:clrMapOvr>
+    <a:masterClrMapping/>
+  </p:clrMapOvr>
+</p:sld>
+</file>
+
+<file path=ppt/slides/slide11.xml><?xml version="1.0" encoding="utf-8"?>
+<p:sld xmlns:a="http://schemas.openxmlformats.org/drawingml/2006/main" xmlns:r="http://schemas.openxmlformats.org/officeDocument/2006/relationships" xmlns:p="http://schemas.openxmlformats.org/presentationml/2006/main">
+  <p:cSld>
+    <p:spTree>
+      <p:nvGrpSpPr>
+        <p:cNvPr id="1" name="">
+          <a:extLst>
+            <a:ext uri="{FF2B5EF4-FFF2-40B4-BE49-F238E27FC236}">
+              <a16:creationId xmlns:a16="http://schemas.microsoft.com/office/drawing/2014/main" id="{D9A4D06D-4D02-8C05-C5F2-F77FEF1FABC5}"/>
+            </a:ext>
+          </a:extLst>
+        </p:cNvPr>
+        <p:cNvGrpSpPr/>
+        <p:nvPr/>
+      </p:nvGrpSpPr>
+      <p:grpSpPr>
+        <a:xfrm>
+          <a:off x="0" y="0"/>
+          <a:ext cx="0" cy="0"/>
+          <a:chOff x="0" y="0"/>
+          <a:chExt cx="0" cy="0"/>
+        </a:xfrm>
+      </p:grpSpPr>
+      <p:sp>
+        <p:nvSpPr>
+          <p:cNvPr id="2" name="Title 1">
+            <a:extLst>
+              <a:ext uri="{FF2B5EF4-FFF2-40B4-BE49-F238E27FC236}">
+                <a16:creationId xmlns:a16="http://schemas.microsoft.com/office/drawing/2014/main" id="{AE31A947-1FA7-EC01-F70E-0473197DAB66}"/>
+              </a:ext>
+            </a:extLst>
+          </p:cNvPr>
+          <p:cNvSpPr>
+            <a:spLocks noGrp="1"/>
+          </p:cNvSpPr>
+          <p:nvPr>
+            <p:ph type="title"/>
+          </p:nvPr>
+        </p:nvSpPr>
+        <p:spPr/>
+        <p:txBody>
+          <a:bodyPr/>
+          <a:lstStyle/>
+          <a:p>
+            <a:r>
+              <a:rPr lang="en-US" dirty="0"/>
+              <a:t>Hard disc drives (HDD) &amp; Solid-state drives (SSD)</a:t>
+            </a:r>
+          </a:p>
+        </p:txBody>
+      </p:sp>
+      <p:sp>
+        <p:nvSpPr>
+          <p:cNvPr id="3" name="Content Placeholder 2">
+            <a:extLst>
+              <a:ext uri="{FF2B5EF4-FFF2-40B4-BE49-F238E27FC236}">
+                <a16:creationId xmlns:a16="http://schemas.microsoft.com/office/drawing/2014/main" id="{454FEC95-C070-362E-D852-AD67C7DD441C}"/>
+              </a:ext>
+            </a:extLst>
+          </p:cNvPr>
+          <p:cNvSpPr>
+            <a:spLocks noGrp="1"/>
+          </p:cNvSpPr>
+          <p:nvPr>
+            <p:ph sz="half" idx="2"/>
+          </p:nvPr>
+        </p:nvSpPr>
+        <p:spPr/>
+        <p:txBody>
+          <a:bodyPr/>
+          <a:lstStyle/>
+          <a:p>
+            <a:endParaRPr lang="en-US" dirty="0"/>
+          </a:p>
+        </p:txBody>
+      </p:sp>
+      <p:sp>
+        <p:nvSpPr>
+          <p:cNvPr id="4" name="Date Placeholder 3">
+            <a:extLst>
+              <a:ext uri="{FF2B5EF4-FFF2-40B4-BE49-F238E27FC236}">
+                <a16:creationId xmlns:a16="http://schemas.microsoft.com/office/drawing/2014/main" id="{F75E86D2-5149-83EC-EF78-A376A8972231}"/>
+              </a:ext>
+            </a:extLst>
+          </p:cNvPr>
+          <p:cNvSpPr>
+            <a:spLocks noGrp="1"/>
+          </p:cNvSpPr>
+          <p:nvPr>
+            <p:ph type="dt" sz="half" idx="10"/>
+          </p:nvPr>
+        </p:nvSpPr>
+        <p:spPr/>
+        <p:txBody>
+          <a:bodyPr/>
+          <a:lstStyle/>
+          <a:p>
+            <a:fld id="{11EDCD7B-6966-E249-89F2-D46BDFBF56BE}" type="datetime1">
+              <a:rPr lang="fi-FI" smtClean="0"/>
+              <a:t>27.11.2024</a:t>
+            </a:fld>
+            <a:endParaRPr lang="en-GB" dirty="0"/>
+          </a:p>
+        </p:txBody>
+      </p:sp>
+      <p:sp>
+        <p:nvSpPr>
+          <p:cNvPr id="5" name="Footer Placeholder 4">
+            <a:extLst>
+              <a:ext uri="{FF2B5EF4-FFF2-40B4-BE49-F238E27FC236}">
+                <a16:creationId xmlns:a16="http://schemas.microsoft.com/office/drawing/2014/main" id="{27BD50AF-1644-273D-08FA-47A477ABF834}"/>
+              </a:ext>
+            </a:extLst>
+          </p:cNvPr>
+          <p:cNvSpPr>
+            <a:spLocks noGrp="1"/>
+          </p:cNvSpPr>
+          <p:nvPr>
+            <p:ph type="ftr" sz="quarter" idx="11"/>
+          </p:nvPr>
+        </p:nvSpPr>
+        <p:spPr/>
+        <p:txBody>
+          <a:bodyPr>
+            <a:normAutofit fontScale="92500" lnSpcReduction="20000"/>
+          </a:bodyPr>
+          <a:lstStyle/>
+          <a:p>
+            <a:endParaRPr lang="en-US" dirty="0"/>
+          </a:p>
+          <a:p>
+            <a:endParaRPr lang="en-US" dirty="0"/>
+          </a:p>
+          <a:p>
+            <a:r>
+              <a:rPr lang="en-US" dirty="0"/>
+              <a:t>ICT Security Basics from Trust to Blockchain - ICT4HM103-3006 </a:t>
+            </a:r>
+            <a:endParaRPr lang="en-GB" dirty="0"/>
+          </a:p>
+        </p:txBody>
+      </p:sp>
+      <p:sp>
+        <p:nvSpPr>
+          <p:cNvPr id="6" name="Slide Number Placeholder 5">
+            <a:extLst>
+              <a:ext uri="{FF2B5EF4-FFF2-40B4-BE49-F238E27FC236}">
+                <a16:creationId xmlns:a16="http://schemas.microsoft.com/office/drawing/2014/main" id="{0050F34C-87B3-AC1F-A333-EE1CC5CC0A2F}"/>
+              </a:ext>
+            </a:extLst>
+          </p:cNvPr>
+          <p:cNvSpPr>
+            <a:spLocks noGrp="1"/>
+          </p:cNvSpPr>
+          <p:nvPr>
+            <p:ph type="sldNum" sz="quarter" idx="12"/>
+          </p:nvPr>
+        </p:nvSpPr>
+        <p:spPr/>
+        <p:txBody>
+          <a:bodyPr/>
+          <a:lstStyle/>
+          <a:p>
+            <a:fld id="{76BAB7ED-EDE9-4D4B-9A2D-30E18C47C16E}" type="slidenum">
+              <a:rPr lang="en-GB" smtClean="0"/>
+              <a:t>10</a:t>
+            </a:fld>
+            <a:endParaRPr lang="en-GB" dirty="0"/>
+          </a:p>
+        </p:txBody>
+      </p:sp>
+    </p:spTree>
+    <p:extLst>
+      <p:ext uri="{BB962C8B-B14F-4D97-AF65-F5344CB8AC3E}">
+        <p14:creationId xmlns:p14="http://schemas.microsoft.com/office/powerpoint/2010/main" val="2342230921"/>
+      </p:ext>
+    </p:extLst>
+  </p:cSld>
+  <p:clrMapOvr>
+    <a:masterClrMapping/>
+  </p:clrMapOvr>
+</p:sld>
+</file>
+
+<file path=ppt/slides/slide12.xml><?xml version="1.0" encoding="utf-8"?>
+<p:sld xmlns:a="http://schemas.openxmlformats.org/drawingml/2006/main" xmlns:r="http://schemas.openxmlformats.org/officeDocument/2006/relationships" xmlns:p="http://schemas.openxmlformats.org/presentationml/2006/main">
+  <p:cSld>
+    <p:spTree>
+      <p:nvGrpSpPr>
+        <p:cNvPr id="1" name="">
+          <a:extLst>
+            <a:ext uri="{FF2B5EF4-FFF2-40B4-BE49-F238E27FC236}">
               <a16:creationId xmlns:a16="http://schemas.microsoft.com/office/drawing/2014/main" id="{9CB7C4AA-189B-6523-ADC0-588542DA107D}"/>
             </a:ext>
           </a:extLst>
@@ -7019,7 +7404,7 @@
           <a:p>
             <a:fld id="{76BAB7ED-EDE9-4D4B-9A2D-30E18C47C16E}" type="slidenum">
               <a:rPr lang="en-GB" smtClean="0"/>
-              <a:t>9</a:t>
+              <a:t>11</a:t>
             </a:fld>
             <a:endParaRPr lang="en-GB" dirty="0"/>
           </a:p>
@@ -7038,7 +7423,7 @@
 </p:sld>
 </file>
 
-<file path=ppt/slides/slide11.xml><?xml version="1.0" encoding="utf-8"?>
+<file path=ppt/slides/slide13.xml><?xml version="1.0" encoding="utf-8"?>
 <p:sld xmlns:a="http://schemas.openxmlformats.org/drawingml/2006/main" xmlns:r="http://schemas.openxmlformats.org/officeDocument/2006/relationships" xmlns:p="http://schemas.openxmlformats.org/presentationml/2006/main">
   <p:cSld>
     <p:spTree>
@@ -7179,7 +7564,7 @@
           <a:p>
             <a:fld id="{76BAB7ED-EDE9-4D4B-9A2D-30E18C47C16E}" type="slidenum">
               <a:rPr lang="en-GB" smtClean="0"/>
-              <a:t>10</a:t>
+              <a:t>12</a:t>
             </a:fld>
             <a:endParaRPr lang="en-GB" dirty="0"/>
           </a:p>
@@ -7322,10 +7707,9 @@
           <a:p>
             <a:pPr lvl="2"/>
             <a:r>
-              <a:rPr lang="en-US" dirty="0" err="1"/>
-              <a:t>Bluray’s</a:t>
-            </a:r>
-            <a:endParaRPr lang="en-US" dirty="0"/>
+              <a:rPr lang="en-US" dirty="0"/>
+              <a:t>Blu-ray’s</a:t>
+            </a:r>
           </a:p>
         </p:txBody>
       </p:sp>
@@ -8181,6 +8565,225 @@
         <p:cNvPr id="1" name="">
           <a:extLst>
             <a:ext uri="{FF2B5EF4-FFF2-40B4-BE49-F238E27FC236}">
+              <a16:creationId xmlns:a16="http://schemas.microsoft.com/office/drawing/2014/main" id="{454B90B9-EFD1-372D-89E1-095C43805235}"/>
+            </a:ext>
+          </a:extLst>
+        </p:cNvPr>
+        <p:cNvGrpSpPr/>
+        <p:nvPr/>
+      </p:nvGrpSpPr>
+      <p:grpSpPr>
+        <a:xfrm>
+          <a:off x="0" y="0"/>
+          <a:ext cx="0" cy="0"/>
+          <a:chOff x="0" y="0"/>
+          <a:chExt cx="0" cy="0"/>
+        </a:xfrm>
+      </p:grpSpPr>
+      <p:sp>
+        <p:nvSpPr>
+          <p:cNvPr id="2" name="Title 1">
+            <a:extLst>
+              <a:ext uri="{FF2B5EF4-FFF2-40B4-BE49-F238E27FC236}">
+                <a16:creationId xmlns:a16="http://schemas.microsoft.com/office/drawing/2014/main" id="{26DE592A-B80A-F805-17F0-4C0D87200E50}"/>
+              </a:ext>
+            </a:extLst>
+          </p:cNvPr>
+          <p:cNvSpPr>
+            <a:spLocks noGrp="1"/>
+          </p:cNvSpPr>
+          <p:nvPr>
+            <p:ph type="title"/>
+          </p:nvPr>
+        </p:nvSpPr>
+        <p:spPr/>
+        <p:txBody>
+          <a:bodyPr/>
+          <a:lstStyle/>
+          <a:p>
+            <a:r>
+              <a:rPr lang="en-US" dirty="0"/>
+              <a:t>What should we consider when dealing with storage media?</a:t>
+            </a:r>
+          </a:p>
+        </p:txBody>
+      </p:sp>
+      <p:sp>
+        <p:nvSpPr>
+          <p:cNvPr id="3" name="Content Placeholder 2">
+            <a:extLst>
+              <a:ext uri="{FF2B5EF4-FFF2-40B4-BE49-F238E27FC236}">
+                <a16:creationId xmlns:a16="http://schemas.microsoft.com/office/drawing/2014/main" id="{6ACFA6CD-A838-BA53-9D82-CA057360E534}"/>
+              </a:ext>
+            </a:extLst>
+          </p:cNvPr>
+          <p:cNvSpPr>
+            <a:spLocks noGrp="1"/>
+          </p:cNvSpPr>
+          <p:nvPr>
+            <p:ph sz="half" idx="2"/>
+          </p:nvPr>
+        </p:nvSpPr>
+        <p:spPr/>
+        <p:txBody>
+          <a:bodyPr>
+            <a:normAutofit/>
+          </a:bodyPr>
+          <a:lstStyle/>
+          <a:p>
+            <a:endParaRPr lang="en-US" sz="2800" dirty="0"/>
+          </a:p>
+          <a:p>
+            <a:r>
+              <a:rPr lang="en-US" sz="2800" dirty="0"/>
+              <a:t>Generally, If you do not know the device origin, don’t use it.</a:t>
+            </a:r>
+          </a:p>
+          <a:p>
+            <a:endParaRPr lang="en-US" sz="2800" dirty="0"/>
+          </a:p>
+          <a:p>
+            <a:r>
+              <a:rPr lang="en-US" sz="2800" dirty="0"/>
+              <a:t>Even up to date virus protection might not protect your system.</a:t>
+            </a:r>
+          </a:p>
+          <a:p>
+            <a:endParaRPr lang="en-US" sz="2800" dirty="0"/>
+          </a:p>
+          <a:p>
+            <a:r>
+              <a:rPr lang="en-US" sz="2800" dirty="0"/>
+              <a:t>“Curiosity killed the cat”, just taking a peek might be enough to be compromised.</a:t>
+            </a:r>
+          </a:p>
+          <a:p>
+            <a:endParaRPr lang="en-US" sz="2800" dirty="0"/>
+          </a:p>
+          <a:p>
+            <a:endParaRPr lang="en-US" sz="2800" dirty="0"/>
+          </a:p>
+          <a:p>
+            <a:endParaRPr lang="en-US" sz="2800" dirty="0"/>
+          </a:p>
+        </p:txBody>
+      </p:sp>
+      <p:sp>
+        <p:nvSpPr>
+          <p:cNvPr id="4" name="Date Placeholder 3">
+            <a:extLst>
+              <a:ext uri="{FF2B5EF4-FFF2-40B4-BE49-F238E27FC236}">
+                <a16:creationId xmlns:a16="http://schemas.microsoft.com/office/drawing/2014/main" id="{D73113BA-55C9-3BC5-F943-9913F0C12935}"/>
+              </a:ext>
+            </a:extLst>
+          </p:cNvPr>
+          <p:cNvSpPr>
+            <a:spLocks noGrp="1"/>
+          </p:cNvSpPr>
+          <p:nvPr>
+            <p:ph type="dt" sz="half" idx="10"/>
+          </p:nvPr>
+        </p:nvSpPr>
+        <p:spPr/>
+        <p:txBody>
+          <a:bodyPr/>
+          <a:lstStyle/>
+          <a:p>
+            <a:fld id="{11EDCD7B-6966-E249-89F2-D46BDFBF56BE}" type="datetime1">
+              <a:rPr lang="fi-FI" smtClean="0"/>
+              <a:t>27.11.2024</a:t>
+            </a:fld>
+            <a:endParaRPr lang="en-GB" dirty="0"/>
+          </a:p>
+        </p:txBody>
+      </p:sp>
+      <p:sp>
+        <p:nvSpPr>
+          <p:cNvPr id="5" name="Footer Placeholder 4">
+            <a:extLst>
+              <a:ext uri="{FF2B5EF4-FFF2-40B4-BE49-F238E27FC236}">
+                <a16:creationId xmlns:a16="http://schemas.microsoft.com/office/drawing/2014/main" id="{2D56E852-089A-5398-1E5E-27D3E294F1B6}"/>
+              </a:ext>
+            </a:extLst>
+          </p:cNvPr>
+          <p:cNvSpPr>
+            <a:spLocks noGrp="1"/>
+          </p:cNvSpPr>
+          <p:nvPr>
+            <p:ph type="ftr" sz="quarter" idx="11"/>
+          </p:nvPr>
+        </p:nvSpPr>
+        <p:spPr/>
+        <p:txBody>
+          <a:bodyPr>
+            <a:normAutofit fontScale="92500" lnSpcReduction="20000"/>
+          </a:bodyPr>
+          <a:lstStyle/>
+          <a:p>
+            <a:endParaRPr lang="en-US" dirty="0"/>
+          </a:p>
+          <a:p>
+            <a:endParaRPr lang="en-US" dirty="0"/>
+          </a:p>
+          <a:p>
+            <a:r>
+              <a:rPr lang="en-US" dirty="0"/>
+              <a:t>ICT Security Basics from Trust to Blockchain - ICT4HM103-3006 </a:t>
+            </a:r>
+            <a:endParaRPr lang="en-GB" dirty="0"/>
+          </a:p>
+        </p:txBody>
+      </p:sp>
+      <p:sp>
+        <p:nvSpPr>
+          <p:cNvPr id="6" name="Slide Number Placeholder 5">
+            <a:extLst>
+              <a:ext uri="{FF2B5EF4-FFF2-40B4-BE49-F238E27FC236}">
+                <a16:creationId xmlns:a16="http://schemas.microsoft.com/office/drawing/2014/main" id="{C49CBCE6-6A13-1260-4D36-A3516431B5E2}"/>
+              </a:ext>
+            </a:extLst>
+          </p:cNvPr>
+          <p:cNvSpPr>
+            <a:spLocks noGrp="1"/>
+          </p:cNvSpPr>
+          <p:nvPr>
+            <p:ph type="sldNum" sz="quarter" idx="12"/>
+          </p:nvPr>
+        </p:nvSpPr>
+        <p:spPr/>
+        <p:txBody>
+          <a:bodyPr/>
+          <a:lstStyle/>
+          <a:p>
+            <a:fld id="{76BAB7ED-EDE9-4D4B-9A2D-30E18C47C16E}" type="slidenum">
+              <a:rPr lang="en-GB" smtClean="0"/>
+              <a:t>4</a:t>
+            </a:fld>
+            <a:endParaRPr lang="en-GB" dirty="0"/>
+          </a:p>
+        </p:txBody>
+      </p:sp>
+    </p:spTree>
+    <p:extLst>
+      <p:ext uri="{BB962C8B-B14F-4D97-AF65-F5344CB8AC3E}">
+        <p14:creationId xmlns:p14="http://schemas.microsoft.com/office/powerpoint/2010/main" val="987088310"/>
+      </p:ext>
+    </p:extLst>
+  </p:cSld>
+  <p:clrMapOvr>
+    <a:masterClrMapping/>
+  </p:clrMapOvr>
+</p:sld>
+</file>
+
+<file path=ppt/slides/slide6.xml><?xml version="1.0" encoding="utf-8"?>
+<p:sld xmlns:a="http://schemas.openxmlformats.org/drawingml/2006/main" xmlns:r="http://schemas.openxmlformats.org/officeDocument/2006/relationships" xmlns:p="http://schemas.openxmlformats.org/presentationml/2006/main">
+  <p:cSld>
+    <p:spTree>
+      <p:nvGrpSpPr>
+        <p:cNvPr id="1" name="">
+          <a:extLst>
+            <a:ext uri="{FF2B5EF4-FFF2-40B4-BE49-F238E27FC236}">
               <a16:creationId xmlns:a16="http://schemas.microsoft.com/office/drawing/2014/main" id="{2DDE515C-E518-6B96-1213-D95DC2DA556C}"/>
             </a:ext>
           </a:extLst>
@@ -8219,7 +8822,7 @@
           <a:p>
             <a:r>
               <a:rPr lang="en-US" dirty="0"/>
-              <a:t>What should we be worried when dealing with storage media?</a:t>
+              <a:t>So what should we be worried when dealing with storage media?</a:t>
             </a:r>
           </a:p>
         </p:txBody>
@@ -8256,53 +8859,53 @@
             <a:pPr lvl="1"/>
             <a:r>
               <a:rPr lang="en-US" sz="2400" dirty="0"/>
-              <a:t>Viruses</a:t>
-            </a:r>
-          </a:p>
-          <a:p>
-            <a:pPr lvl="1"/>
+              <a:t>Examples are:</a:t>
+            </a:r>
+          </a:p>
+          <a:p>
+            <a:pPr lvl="2"/>
             <a:r>
               <a:rPr lang="en-US" sz="2400" dirty="0"/>
               <a:t>Worms</a:t>
             </a:r>
           </a:p>
           <a:p>
-            <a:pPr lvl="1"/>
+            <a:pPr lvl="2"/>
             <a:r>
               <a:rPr lang="en-US" sz="2400" dirty="0"/>
               <a:t>Trojan horses</a:t>
             </a:r>
           </a:p>
           <a:p>
-            <a:pPr lvl="1"/>
+            <a:pPr lvl="2"/>
             <a:r>
               <a:rPr lang="en-US" sz="2400" dirty="0"/>
               <a:t>Ransomware </a:t>
             </a:r>
           </a:p>
           <a:p>
-            <a:pPr lvl="1"/>
+            <a:pPr lvl="2"/>
             <a:r>
               <a:rPr lang="en-US" sz="2400" dirty="0"/>
               <a:t>Spyware</a:t>
             </a:r>
           </a:p>
           <a:p>
-            <a:pPr lvl="1"/>
+            <a:pPr lvl="2"/>
             <a:r>
               <a:rPr lang="en-US" sz="2400" dirty="0"/>
               <a:t>Adware / Scareware</a:t>
             </a:r>
           </a:p>
           <a:p>
-            <a:pPr lvl="1"/>
+            <a:pPr lvl="2"/>
             <a:r>
               <a:rPr lang="en-US" sz="2400" dirty="0"/>
               <a:t>Wipers</a:t>
             </a:r>
           </a:p>
           <a:p>
-            <a:pPr lvl="1"/>
+            <a:pPr lvl="2"/>
             <a:r>
               <a:rPr lang="en-US" sz="2400" dirty="0"/>
               <a:t>Keyloggers</a:t>
@@ -8354,14 +8957,7 @@
             <a:pPr lvl="1"/>
             <a:r>
               <a:rPr lang="en-US" dirty="0"/>
-              <a:t>Autorun / Autoplay</a:t>
-            </a:r>
-          </a:p>
-          <a:p>
-            <a:pPr lvl="1"/>
-            <a:r>
-              <a:rPr lang="en-US" dirty="0"/>
-              <a:t>USB device enumeration</a:t>
+              <a:t>USB device enumeration </a:t>
             </a:r>
           </a:p>
           <a:p>
@@ -8373,7 +8969,24 @@
           </a:p>
           <a:p>
             <a:pPr lvl="1"/>
-            <a:endParaRPr lang="en-US" dirty="0"/>
+            <a:r>
+              <a:rPr lang="en-US" dirty="0"/>
+              <a:t>Corrupted disc firmware</a:t>
+            </a:r>
+          </a:p>
+          <a:p>
+            <a:pPr lvl="1"/>
+            <a:r>
+              <a:rPr lang="en-US" dirty="0"/>
+              <a:t>Autorun / Autoplay on insertion</a:t>
+            </a:r>
+          </a:p>
+          <a:p>
+            <a:pPr lvl="1"/>
+            <a:r>
+              <a:rPr lang="en-US" dirty="0"/>
+              <a:t>Payload hiding in a overprovisioned part of the disc</a:t>
+            </a:r>
           </a:p>
           <a:p>
             <a:pPr lvl="1"/>
@@ -8474,7 +9087,7 @@
           <a:p>
             <a:fld id="{76BAB7ED-EDE9-4D4B-9A2D-30E18C47C16E}" type="slidenum">
               <a:rPr lang="en-GB" smtClean="0"/>
-              <a:t>4</a:t>
+              <a:t>5</a:t>
             </a:fld>
             <a:endParaRPr lang="en-GB" dirty="0"/>
           </a:p>
@@ -8493,7 +9106,430 @@
 </p:sld>
 </file>
 
-<file path=ppt/slides/slide6.xml><?xml version="1.0" encoding="utf-8"?>
+<file path=ppt/slides/slide7.xml><?xml version="1.0" encoding="utf-8"?>
+<p:sld xmlns:a="http://schemas.openxmlformats.org/drawingml/2006/main" xmlns:r="http://schemas.openxmlformats.org/officeDocument/2006/relationships" xmlns:p="http://schemas.openxmlformats.org/presentationml/2006/main">
+  <p:cSld>
+    <p:spTree>
+      <p:nvGrpSpPr>
+        <p:cNvPr id="1" name="">
+          <a:extLst>
+            <a:ext uri="{FF2B5EF4-FFF2-40B4-BE49-F238E27FC236}">
+              <a16:creationId xmlns:a16="http://schemas.microsoft.com/office/drawing/2014/main" id="{B032C501-2269-916C-2904-6407290866E7}"/>
+            </a:ext>
+          </a:extLst>
+        </p:cNvPr>
+        <p:cNvGrpSpPr/>
+        <p:nvPr/>
+      </p:nvGrpSpPr>
+      <p:grpSpPr>
+        <a:xfrm>
+          <a:off x="0" y="0"/>
+          <a:ext cx="0" cy="0"/>
+          <a:chOff x="0" y="0"/>
+          <a:chExt cx="0" cy="0"/>
+        </a:xfrm>
+      </p:grpSpPr>
+      <p:sp>
+        <p:nvSpPr>
+          <p:cNvPr id="2" name="Title 1">
+            <a:extLst>
+              <a:ext uri="{FF2B5EF4-FFF2-40B4-BE49-F238E27FC236}">
+                <a16:creationId xmlns:a16="http://schemas.microsoft.com/office/drawing/2014/main" id="{27F6713F-6AC5-1ED6-487F-5E2718789D63}"/>
+              </a:ext>
+            </a:extLst>
+          </p:cNvPr>
+          <p:cNvSpPr>
+            <a:spLocks noGrp="1"/>
+          </p:cNvSpPr>
+          <p:nvPr>
+            <p:ph type="title"/>
+          </p:nvPr>
+        </p:nvSpPr>
+        <p:spPr/>
+        <p:txBody>
+          <a:bodyPr>
+            <a:normAutofit fontScale="90000"/>
+          </a:bodyPr>
+          <a:lstStyle/>
+          <a:p>
+            <a:r>
+              <a:rPr lang="en-US" dirty="0"/>
+              <a:t>User interaction, a universal way of executing a payload.</a:t>
+            </a:r>
+            <a:br>
+              <a:rPr lang="en-US" dirty="0"/>
+            </a:br>
+            <a:endParaRPr lang="en-US" dirty="0"/>
+          </a:p>
+        </p:txBody>
+      </p:sp>
+      <p:sp>
+        <p:nvSpPr>
+          <p:cNvPr id="3" name="Content Placeholder 2">
+            <a:extLst>
+              <a:ext uri="{FF2B5EF4-FFF2-40B4-BE49-F238E27FC236}">
+                <a16:creationId xmlns:a16="http://schemas.microsoft.com/office/drawing/2014/main" id="{BD2850CA-5756-247E-D93E-B7078C724CAA}"/>
+              </a:ext>
+            </a:extLst>
+          </p:cNvPr>
+          <p:cNvSpPr>
+            <a:spLocks noGrp="1"/>
+          </p:cNvSpPr>
+          <p:nvPr>
+            <p:ph sz="half" idx="2"/>
+          </p:nvPr>
+        </p:nvSpPr>
+        <p:spPr/>
+        <p:txBody>
+          <a:bodyPr/>
+          <a:lstStyle/>
+          <a:p>
+            <a:r>
+              <a:rPr lang="en-US" dirty="0"/>
+              <a:t>Regardless of device type or attack vector, getting the user to execute the malicious payload is the most convenient way to infect the target host.</a:t>
+            </a:r>
+          </a:p>
+          <a:p>
+            <a:endParaRPr lang="en-US" dirty="0"/>
+          </a:p>
+          <a:p>
+            <a:r>
+              <a:rPr lang="en-US" dirty="0"/>
+              <a:t>This can be achieved by social engineering</a:t>
+            </a:r>
+          </a:p>
+          <a:p>
+            <a:pPr lvl="1"/>
+            <a:r>
+              <a:rPr lang="en-US" dirty="0"/>
+              <a:t>Raising curiosity</a:t>
+            </a:r>
+          </a:p>
+          <a:p>
+            <a:pPr lvl="1"/>
+            <a:r>
+              <a:rPr lang="en-US" dirty="0"/>
+              <a:t>Past as a legitimate device</a:t>
+            </a:r>
+          </a:p>
+          <a:p>
+            <a:pPr lvl="1"/>
+            <a:endParaRPr lang="en-US" dirty="0"/>
+          </a:p>
+          <a:p>
+            <a:pPr lvl="1"/>
+            <a:endParaRPr lang="en-US" dirty="0"/>
+          </a:p>
+        </p:txBody>
+      </p:sp>
+      <p:sp>
+        <p:nvSpPr>
+          <p:cNvPr id="4" name="Date Placeholder 3">
+            <a:extLst>
+              <a:ext uri="{FF2B5EF4-FFF2-40B4-BE49-F238E27FC236}">
+                <a16:creationId xmlns:a16="http://schemas.microsoft.com/office/drawing/2014/main" id="{2D3471F4-620D-0D4E-326A-55BB2579E9C8}"/>
+              </a:ext>
+            </a:extLst>
+          </p:cNvPr>
+          <p:cNvSpPr>
+            <a:spLocks noGrp="1"/>
+          </p:cNvSpPr>
+          <p:nvPr>
+            <p:ph type="dt" sz="half" idx="10"/>
+          </p:nvPr>
+        </p:nvSpPr>
+        <p:spPr/>
+        <p:txBody>
+          <a:bodyPr/>
+          <a:lstStyle/>
+          <a:p>
+            <a:fld id="{11EDCD7B-6966-E249-89F2-D46BDFBF56BE}" type="datetime1">
+              <a:rPr lang="fi-FI" smtClean="0"/>
+              <a:t>27.11.2024</a:t>
+            </a:fld>
+            <a:endParaRPr lang="en-GB" dirty="0"/>
+          </a:p>
+        </p:txBody>
+      </p:sp>
+      <p:sp>
+        <p:nvSpPr>
+          <p:cNvPr id="5" name="Footer Placeholder 4">
+            <a:extLst>
+              <a:ext uri="{FF2B5EF4-FFF2-40B4-BE49-F238E27FC236}">
+                <a16:creationId xmlns:a16="http://schemas.microsoft.com/office/drawing/2014/main" id="{6489D25B-317D-F241-8252-BBB4BDFE88BD}"/>
+              </a:ext>
+            </a:extLst>
+          </p:cNvPr>
+          <p:cNvSpPr>
+            <a:spLocks noGrp="1"/>
+          </p:cNvSpPr>
+          <p:nvPr>
+            <p:ph type="ftr" sz="quarter" idx="11"/>
+          </p:nvPr>
+        </p:nvSpPr>
+        <p:spPr/>
+        <p:txBody>
+          <a:bodyPr>
+            <a:normAutofit fontScale="92500" lnSpcReduction="20000"/>
+          </a:bodyPr>
+          <a:lstStyle/>
+          <a:p>
+            <a:endParaRPr lang="en-US" dirty="0"/>
+          </a:p>
+          <a:p>
+            <a:endParaRPr lang="en-US" dirty="0"/>
+          </a:p>
+          <a:p>
+            <a:r>
+              <a:rPr lang="en-US" dirty="0"/>
+              <a:t>ICT Security Basics from Trust to Blockchain - ICT4HM103-3006 </a:t>
+            </a:r>
+            <a:endParaRPr lang="en-GB" dirty="0"/>
+          </a:p>
+        </p:txBody>
+      </p:sp>
+      <p:sp>
+        <p:nvSpPr>
+          <p:cNvPr id="6" name="Slide Number Placeholder 5">
+            <a:extLst>
+              <a:ext uri="{FF2B5EF4-FFF2-40B4-BE49-F238E27FC236}">
+                <a16:creationId xmlns:a16="http://schemas.microsoft.com/office/drawing/2014/main" id="{8A5A9DFB-E38C-44B5-BB03-CF6223889FF8}"/>
+              </a:ext>
+            </a:extLst>
+          </p:cNvPr>
+          <p:cNvSpPr>
+            <a:spLocks noGrp="1"/>
+          </p:cNvSpPr>
+          <p:nvPr>
+            <p:ph type="sldNum" sz="quarter" idx="12"/>
+          </p:nvPr>
+        </p:nvSpPr>
+        <p:spPr/>
+        <p:txBody>
+          <a:bodyPr/>
+          <a:lstStyle/>
+          <a:p>
+            <a:fld id="{76BAB7ED-EDE9-4D4B-9A2D-30E18C47C16E}" type="slidenum">
+              <a:rPr lang="en-GB" smtClean="0"/>
+              <a:t>6</a:t>
+            </a:fld>
+            <a:endParaRPr lang="en-GB" dirty="0"/>
+          </a:p>
+        </p:txBody>
+      </p:sp>
+    </p:spTree>
+    <p:extLst>
+      <p:ext uri="{BB962C8B-B14F-4D97-AF65-F5344CB8AC3E}">
+        <p14:creationId xmlns:p14="http://schemas.microsoft.com/office/powerpoint/2010/main" val="186265995"/>
+      </p:ext>
+    </p:extLst>
+  </p:cSld>
+  <p:clrMapOvr>
+    <a:masterClrMapping/>
+  </p:clrMapOvr>
+</p:sld>
+</file>
+
+<file path=ppt/slides/slide8.xml><?xml version="1.0" encoding="utf-8"?>
+<p:sld xmlns:a="http://schemas.openxmlformats.org/drawingml/2006/main" xmlns:r="http://schemas.openxmlformats.org/officeDocument/2006/relationships" xmlns:p="http://schemas.openxmlformats.org/presentationml/2006/main">
+  <p:cSld>
+    <p:spTree>
+      <p:nvGrpSpPr>
+        <p:cNvPr id="1" name="">
+          <a:extLst>
+            <a:ext uri="{FF2B5EF4-FFF2-40B4-BE49-F238E27FC236}">
+              <a16:creationId xmlns:a16="http://schemas.microsoft.com/office/drawing/2014/main" id="{CD2A8CD7-A992-C395-E3F8-352B3BDCB5AF}"/>
+            </a:ext>
+          </a:extLst>
+        </p:cNvPr>
+        <p:cNvGrpSpPr/>
+        <p:nvPr/>
+      </p:nvGrpSpPr>
+      <p:grpSpPr>
+        <a:xfrm>
+          <a:off x="0" y="0"/>
+          <a:ext cx="0" cy="0"/>
+          <a:chOff x="0" y="0"/>
+          <a:chExt cx="0" cy="0"/>
+        </a:xfrm>
+      </p:grpSpPr>
+      <p:sp>
+        <p:nvSpPr>
+          <p:cNvPr id="2" name="Title 1">
+            <a:extLst>
+              <a:ext uri="{FF2B5EF4-FFF2-40B4-BE49-F238E27FC236}">
+                <a16:creationId xmlns:a16="http://schemas.microsoft.com/office/drawing/2014/main" id="{F4D50C4E-D607-3637-CDB0-AC934EAE60F9}"/>
+              </a:ext>
+            </a:extLst>
+          </p:cNvPr>
+          <p:cNvSpPr>
+            <a:spLocks noGrp="1"/>
+          </p:cNvSpPr>
+          <p:nvPr>
+            <p:ph type="title"/>
+          </p:nvPr>
+        </p:nvSpPr>
+        <p:spPr/>
+        <p:txBody>
+          <a:bodyPr/>
+          <a:lstStyle/>
+          <a:p>
+            <a:r>
+              <a:rPr lang="en-US" sz="3600" dirty="0"/>
+              <a:t>USB mass storage devices</a:t>
+            </a:r>
+          </a:p>
+        </p:txBody>
+      </p:sp>
+      <p:sp>
+        <p:nvSpPr>
+          <p:cNvPr id="3" name="Content Placeholder 2">
+            <a:extLst>
+              <a:ext uri="{FF2B5EF4-FFF2-40B4-BE49-F238E27FC236}">
+                <a16:creationId xmlns:a16="http://schemas.microsoft.com/office/drawing/2014/main" id="{56ED3535-6C06-D1A4-5762-684682124F49}"/>
+              </a:ext>
+            </a:extLst>
+          </p:cNvPr>
+          <p:cNvSpPr>
+            <a:spLocks noGrp="1"/>
+          </p:cNvSpPr>
+          <p:nvPr>
+            <p:ph sz="half" idx="2"/>
+          </p:nvPr>
+        </p:nvSpPr>
+        <p:spPr/>
+        <p:txBody>
+          <a:bodyPr/>
+          <a:lstStyle/>
+          <a:p>
+            <a:r>
+              <a:rPr lang="en-US" dirty="0"/>
+              <a:t>By far the most convenient way to deliver a payload</a:t>
+            </a:r>
+          </a:p>
+          <a:p>
+            <a:r>
+              <a:rPr lang="en-US" dirty="0"/>
+              <a:t>Devices are cheap, can be produced in mass</a:t>
+            </a:r>
+          </a:p>
+          <a:p>
+            <a:r>
+              <a:rPr lang="en-US" dirty="0"/>
+              <a:t>A common and familiar storage device for people</a:t>
+            </a:r>
+          </a:p>
+        </p:txBody>
+      </p:sp>
+      <p:sp>
+        <p:nvSpPr>
+          <p:cNvPr id="4" name="Date Placeholder 3">
+            <a:extLst>
+              <a:ext uri="{FF2B5EF4-FFF2-40B4-BE49-F238E27FC236}">
+                <a16:creationId xmlns:a16="http://schemas.microsoft.com/office/drawing/2014/main" id="{1B909D68-D1D0-53E4-20BD-D2F9E8F1DF24}"/>
+              </a:ext>
+            </a:extLst>
+          </p:cNvPr>
+          <p:cNvSpPr>
+            <a:spLocks noGrp="1"/>
+          </p:cNvSpPr>
+          <p:nvPr>
+            <p:ph type="dt" sz="half" idx="10"/>
+          </p:nvPr>
+        </p:nvSpPr>
+        <p:spPr/>
+        <p:txBody>
+          <a:bodyPr/>
+          <a:lstStyle/>
+          <a:p>
+            <a:fld id="{11EDCD7B-6966-E249-89F2-D46BDFBF56BE}" type="datetime1">
+              <a:rPr lang="fi-FI" smtClean="0"/>
+              <a:t>27.11.2024</a:t>
+            </a:fld>
+            <a:endParaRPr lang="en-GB" dirty="0"/>
+          </a:p>
+        </p:txBody>
+      </p:sp>
+      <p:sp>
+        <p:nvSpPr>
+          <p:cNvPr id="5" name="Footer Placeholder 4">
+            <a:extLst>
+              <a:ext uri="{FF2B5EF4-FFF2-40B4-BE49-F238E27FC236}">
+                <a16:creationId xmlns:a16="http://schemas.microsoft.com/office/drawing/2014/main" id="{CF01B57A-A5EF-D245-DC9C-46417F83D027}"/>
+              </a:ext>
+            </a:extLst>
+          </p:cNvPr>
+          <p:cNvSpPr>
+            <a:spLocks noGrp="1"/>
+          </p:cNvSpPr>
+          <p:nvPr>
+            <p:ph type="ftr" sz="quarter" idx="11"/>
+          </p:nvPr>
+        </p:nvSpPr>
+        <p:spPr/>
+        <p:txBody>
+          <a:bodyPr>
+            <a:normAutofit fontScale="92500" lnSpcReduction="20000"/>
+          </a:bodyPr>
+          <a:lstStyle/>
+          <a:p>
+            <a:endParaRPr lang="en-US" dirty="0"/>
+          </a:p>
+          <a:p>
+            <a:endParaRPr lang="en-US" dirty="0"/>
+          </a:p>
+          <a:p>
+            <a:r>
+              <a:rPr lang="en-US" dirty="0"/>
+              <a:t>ICT Security Basics from Trust to Blockchain - ICT4HM103-3006 </a:t>
+            </a:r>
+            <a:endParaRPr lang="en-GB" dirty="0"/>
+          </a:p>
+        </p:txBody>
+      </p:sp>
+      <p:sp>
+        <p:nvSpPr>
+          <p:cNvPr id="6" name="Slide Number Placeholder 5">
+            <a:extLst>
+              <a:ext uri="{FF2B5EF4-FFF2-40B4-BE49-F238E27FC236}">
+                <a16:creationId xmlns:a16="http://schemas.microsoft.com/office/drawing/2014/main" id="{DAFECECD-7979-DABB-53B6-91EE612791AA}"/>
+              </a:ext>
+            </a:extLst>
+          </p:cNvPr>
+          <p:cNvSpPr>
+            <a:spLocks noGrp="1"/>
+          </p:cNvSpPr>
+          <p:nvPr>
+            <p:ph type="sldNum" sz="quarter" idx="12"/>
+          </p:nvPr>
+        </p:nvSpPr>
+        <p:spPr/>
+        <p:txBody>
+          <a:bodyPr/>
+          <a:lstStyle/>
+          <a:p>
+            <a:fld id="{76BAB7ED-EDE9-4D4B-9A2D-30E18C47C16E}" type="slidenum">
+              <a:rPr lang="en-GB" smtClean="0"/>
+              <a:t>7</a:t>
+            </a:fld>
+            <a:endParaRPr lang="en-GB" dirty="0"/>
+          </a:p>
+        </p:txBody>
+      </p:sp>
+    </p:spTree>
+    <p:extLst>
+      <p:ext uri="{BB962C8B-B14F-4D97-AF65-F5344CB8AC3E}">
+        <p14:creationId xmlns:p14="http://schemas.microsoft.com/office/powerpoint/2010/main" val="2187017112"/>
+      </p:ext>
+    </p:extLst>
+  </p:cSld>
+  <p:clrMapOvr>
+    <a:masterClrMapping/>
+  </p:clrMapOvr>
+</p:sld>
+</file>
+
+<file path=ppt/slides/slide9.xml><?xml version="1.0" encoding="utf-8"?>
 <p:sld xmlns:a="http://schemas.openxmlformats.org/drawingml/2006/main" xmlns:r="http://schemas.openxmlformats.org/officeDocument/2006/relationships" xmlns:p="http://schemas.openxmlformats.org/presentationml/2006/main">
   <p:cSld>
     <p:spTree>
@@ -8567,7 +9603,19 @@
           <a:p>
             <a:r>
               <a:rPr lang="en-US" dirty="0"/>
-              <a:t>HID </a:t>
+              <a:t>By far the most convenient way to deliver a payload</a:t>
+            </a:r>
+          </a:p>
+          <a:p>
+            <a:r>
+              <a:rPr lang="en-US" dirty="0"/>
+              <a:t>Devices are cheap, can be produced in mass</a:t>
+            </a:r>
+          </a:p>
+          <a:p>
+            <a:r>
+              <a:rPr lang="en-US" dirty="0"/>
+              <a:t>A common and familiar storage device for people</a:t>
             </a:r>
           </a:p>
         </p:txBody>
@@ -8661,7 +9709,7 @@
           <a:p>
             <a:fld id="{76BAB7ED-EDE9-4D4B-9A2D-30E18C47C16E}" type="slidenum">
               <a:rPr lang="en-GB" smtClean="0"/>
-              <a:t>5</a:t>
+              <a:t>8</a:t>
             </a:fld>
             <a:endParaRPr lang="en-GB" dirty="0"/>
           </a:p>
@@ -8671,558 +9719,6 @@
     <p:extLst>
       <p:ext uri="{BB962C8B-B14F-4D97-AF65-F5344CB8AC3E}">
         <p14:creationId xmlns:p14="http://schemas.microsoft.com/office/powerpoint/2010/main" val="1779179830"/>
-      </p:ext>
-    </p:extLst>
-  </p:cSld>
-  <p:clrMapOvr>
-    <a:masterClrMapping/>
-  </p:clrMapOvr>
-</p:sld>
-</file>
-
-<file path=ppt/slides/slide7.xml><?xml version="1.0" encoding="utf-8"?>
-<p:sld xmlns:a="http://schemas.openxmlformats.org/drawingml/2006/main" xmlns:r="http://schemas.openxmlformats.org/officeDocument/2006/relationships" xmlns:p="http://schemas.openxmlformats.org/presentationml/2006/main">
-  <p:cSld>
-    <p:spTree>
-      <p:nvGrpSpPr>
-        <p:cNvPr id="1" name="">
-          <a:extLst>
-            <a:ext uri="{FF2B5EF4-FFF2-40B4-BE49-F238E27FC236}">
-              <a16:creationId xmlns:a16="http://schemas.microsoft.com/office/drawing/2014/main" id="{DD0EF47D-6CB2-85FF-9FEE-4109121933D1}"/>
-            </a:ext>
-          </a:extLst>
-        </p:cNvPr>
-        <p:cNvGrpSpPr/>
-        <p:nvPr/>
-      </p:nvGrpSpPr>
-      <p:grpSpPr>
-        <a:xfrm>
-          <a:off x="0" y="0"/>
-          <a:ext cx="0" cy="0"/>
-          <a:chOff x="0" y="0"/>
-          <a:chExt cx="0" cy="0"/>
-        </a:xfrm>
-      </p:grpSpPr>
-      <p:sp>
-        <p:nvSpPr>
-          <p:cNvPr id="2" name="Title 1">
-            <a:extLst>
-              <a:ext uri="{FF2B5EF4-FFF2-40B4-BE49-F238E27FC236}">
-                <a16:creationId xmlns:a16="http://schemas.microsoft.com/office/drawing/2014/main" id="{3AADAF8D-DA92-759A-8384-B40D38D2468E}"/>
-              </a:ext>
-            </a:extLst>
-          </p:cNvPr>
-          <p:cNvSpPr>
-            <a:spLocks noGrp="1"/>
-          </p:cNvSpPr>
-          <p:nvPr>
-            <p:ph type="title"/>
-          </p:nvPr>
-        </p:nvSpPr>
-        <p:spPr/>
-        <p:txBody>
-          <a:bodyPr/>
-          <a:lstStyle/>
-          <a:p>
-            <a:r>
-              <a:rPr lang="en-US" sz="3600" dirty="0"/>
-              <a:t>Optical media</a:t>
-            </a:r>
-          </a:p>
-        </p:txBody>
-      </p:sp>
-      <p:sp>
-        <p:nvSpPr>
-          <p:cNvPr id="3" name="Content Placeholder 2">
-            <a:extLst>
-              <a:ext uri="{FF2B5EF4-FFF2-40B4-BE49-F238E27FC236}">
-                <a16:creationId xmlns:a16="http://schemas.microsoft.com/office/drawing/2014/main" id="{45C2B7D2-BAD0-39A1-E263-091A50833571}"/>
-              </a:ext>
-            </a:extLst>
-          </p:cNvPr>
-          <p:cNvSpPr>
-            <a:spLocks noGrp="1"/>
-          </p:cNvSpPr>
-          <p:nvPr>
-            <p:ph sz="half" idx="2"/>
-          </p:nvPr>
-        </p:nvSpPr>
-        <p:spPr/>
-        <p:txBody>
-          <a:bodyPr/>
-          <a:lstStyle/>
-          <a:p>
-            <a:endParaRPr lang="en-US" dirty="0"/>
-          </a:p>
-        </p:txBody>
-      </p:sp>
-      <p:sp>
-        <p:nvSpPr>
-          <p:cNvPr id="4" name="Date Placeholder 3">
-            <a:extLst>
-              <a:ext uri="{FF2B5EF4-FFF2-40B4-BE49-F238E27FC236}">
-                <a16:creationId xmlns:a16="http://schemas.microsoft.com/office/drawing/2014/main" id="{17F6E555-BE74-8B59-C33B-9F4DC7F5435E}"/>
-              </a:ext>
-            </a:extLst>
-          </p:cNvPr>
-          <p:cNvSpPr>
-            <a:spLocks noGrp="1"/>
-          </p:cNvSpPr>
-          <p:nvPr>
-            <p:ph type="dt" sz="half" idx="10"/>
-          </p:nvPr>
-        </p:nvSpPr>
-        <p:spPr/>
-        <p:txBody>
-          <a:bodyPr/>
-          <a:lstStyle/>
-          <a:p>
-            <a:fld id="{11EDCD7B-6966-E249-89F2-D46BDFBF56BE}" type="datetime1">
-              <a:rPr lang="fi-FI" smtClean="0"/>
-              <a:t>27.11.2024</a:t>
-            </a:fld>
-            <a:endParaRPr lang="en-GB" dirty="0"/>
-          </a:p>
-        </p:txBody>
-      </p:sp>
-      <p:sp>
-        <p:nvSpPr>
-          <p:cNvPr id="5" name="Footer Placeholder 4">
-            <a:extLst>
-              <a:ext uri="{FF2B5EF4-FFF2-40B4-BE49-F238E27FC236}">
-                <a16:creationId xmlns:a16="http://schemas.microsoft.com/office/drawing/2014/main" id="{B4FB9E04-28EE-7BC8-0576-CE96F176DC2B}"/>
-              </a:ext>
-            </a:extLst>
-          </p:cNvPr>
-          <p:cNvSpPr>
-            <a:spLocks noGrp="1"/>
-          </p:cNvSpPr>
-          <p:nvPr>
-            <p:ph type="ftr" sz="quarter" idx="11"/>
-          </p:nvPr>
-        </p:nvSpPr>
-        <p:spPr/>
-        <p:txBody>
-          <a:bodyPr>
-            <a:normAutofit fontScale="92500" lnSpcReduction="20000"/>
-          </a:bodyPr>
-          <a:lstStyle/>
-          <a:p>
-            <a:endParaRPr lang="en-US" dirty="0"/>
-          </a:p>
-          <a:p>
-            <a:endParaRPr lang="en-US" dirty="0"/>
-          </a:p>
-          <a:p>
-            <a:r>
-              <a:rPr lang="en-US" dirty="0"/>
-              <a:t>ICT Security Basics from Trust to Blockchain - ICT4HM103-3006 </a:t>
-            </a:r>
-            <a:endParaRPr lang="en-GB" dirty="0"/>
-          </a:p>
-        </p:txBody>
-      </p:sp>
-      <p:sp>
-        <p:nvSpPr>
-          <p:cNvPr id="6" name="Slide Number Placeholder 5">
-            <a:extLst>
-              <a:ext uri="{FF2B5EF4-FFF2-40B4-BE49-F238E27FC236}">
-                <a16:creationId xmlns:a16="http://schemas.microsoft.com/office/drawing/2014/main" id="{7015DF74-EFC0-9C35-288B-A71D3933A63B}"/>
-              </a:ext>
-            </a:extLst>
-          </p:cNvPr>
-          <p:cNvSpPr>
-            <a:spLocks noGrp="1"/>
-          </p:cNvSpPr>
-          <p:nvPr>
-            <p:ph type="sldNum" sz="quarter" idx="12"/>
-          </p:nvPr>
-        </p:nvSpPr>
-        <p:spPr/>
-        <p:txBody>
-          <a:bodyPr/>
-          <a:lstStyle/>
-          <a:p>
-            <a:fld id="{76BAB7ED-EDE9-4D4B-9A2D-30E18C47C16E}" type="slidenum">
-              <a:rPr lang="en-GB" smtClean="0"/>
-              <a:t>6</a:t>
-            </a:fld>
-            <a:endParaRPr lang="en-GB" dirty="0"/>
-          </a:p>
-        </p:txBody>
-      </p:sp>
-    </p:spTree>
-    <p:extLst>
-      <p:ext uri="{BB962C8B-B14F-4D97-AF65-F5344CB8AC3E}">
-        <p14:creationId xmlns:p14="http://schemas.microsoft.com/office/powerpoint/2010/main" val="486125359"/>
-      </p:ext>
-    </p:extLst>
-  </p:cSld>
-  <p:clrMapOvr>
-    <a:masterClrMapping/>
-  </p:clrMapOvr>
-</p:sld>
-</file>
-
-<file path=ppt/slides/slide8.xml><?xml version="1.0" encoding="utf-8"?>
-<p:sld xmlns:a="http://schemas.openxmlformats.org/drawingml/2006/main" xmlns:r="http://schemas.openxmlformats.org/officeDocument/2006/relationships" xmlns:p="http://schemas.openxmlformats.org/presentationml/2006/main">
-  <p:cSld>
-    <p:spTree>
-      <p:nvGrpSpPr>
-        <p:cNvPr id="1" name="">
-          <a:extLst>
-            <a:ext uri="{FF2B5EF4-FFF2-40B4-BE49-F238E27FC236}">
-              <a16:creationId xmlns:a16="http://schemas.microsoft.com/office/drawing/2014/main" id="{D9A4D06D-4D02-8C05-C5F2-F77FEF1FABC5}"/>
-            </a:ext>
-          </a:extLst>
-        </p:cNvPr>
-        <p:cNvGrpSpPr/>
-        <p:nvPr/>
-      </p:nvGrpSpPr>
-      <p:grpSpPr>
-        <a:xfrm>
-          <a:off x="0" y="0"/>
-          <a:ext cx="0" cy="0"/>
-          <a:chOff x="0" y="0"/>
-          <a:chExt cx="0" cy="0"/>
-        </a:xfrm>
-      </p:grpSpPr>
-      <p:sp>
-        <p:nvSpPr>
-          <p:cNvPr id="2" name="Title 1">
-            <a:extLst>
-              <a:ext uri="{FF2B5EF4-FFF2-40B4-BE49-F238E27FC236}">
-                <a16:creationId xmlns:a16="http://schemas.microsoft.com/office/drawing/2014/main" id="{AE31A947-1FA7-EC01-F70E-0473197DAB66}"/>
-              </a:ext>
-            </a:extLst>
-          </p:cNvPr>
-          <p:cNvSpPr>
-            <a:spLocks noGrp="1"/>
-          </p:cNvSpPr>
-          <p:nvPr>
-            <p:ph type="title"/>
-          </p:nvPr>
-        </p:nvSpPr>
-        <p:spPr/>
-        <p:txBody>
-          <a:bodyPr/>
-          <a:lstStyle/>
-          <a:p>
-            <a:r>
-              <a:rPr lang="en-US" dirty="0"/>
-              <a:t>Hard disc drives (HDD) &amp; Solid-state drives (SSD)</a:t>
-            </a:r>
-          </a:p>
-        </p:txBody>
-      </p:sp>
-      <p:sp>
-        <p:nvSpPr>
-          <p:cNvPr id="3" name="Content Placeholder 2">
-            <a:extLst>
-              <a:ext uri="{FF2B5EF4-FFF2-40B4-BE49-F238E27FC236}">
-                <a16:creationId xmlns:a16="http://schemas.microsoft.com/office/drawing/2014/main" id="{454FEC95-C070-362E-D852-AD67C7DD441C}"/>
-              </a:ext>
-            </a:extLst>
-          </p:cNvPr>
-          <p:cNvSpPr>
-            <a:spLocks noGrp="1"/>
-          </p:cNvSpPr>
-          <p:nvPr>
-            <p:ph sz="half" idx="2"/>
-          </p:nvPr>
-        </p:nvSpPr>
-        <p:spPr/>
-        <p:txBody>
-          <a:bodyPr/>
-          <a:lstStyle/>
-          <a:p>
-            <a:endParaRPr lang="en-US" dirty="0"/>
-          </a:p>
-        </p:txBody>
-      </p:sp>
-      <p:sp>
-        <p:nvSpPr>
-          <p:cNvPr id="4" name="Date Placeholder 3">
-            <a:extLst>
-              <a:ext uri="{FF2B5EF4-FFF2-40B4-BE49-F238E27FC236}">
-                <a16:creationId xmlns:a16="http://schemas.microsoft.com/office/drawing/2014/main" id="{F75E86D2-5149-83EC-EF78-A376A8972231}"/>
-              </a:ext>
-            </a:extLst>
-          </p:cNvPr>
-          <p:cNvSpPr>
-            <a:spLocks noGrp="1"/>
-          </p:cNvSpPr>
-          <p:nvPr>
-            <p:ph type="dt" sz="half" idx="10"/>
-          </p:nvPr>
-        </p:nvSpPr>
-        <p:spPr/>
-        <p:txBody>
-          <a:bodyPr/>
-          <a:lstStyle/>
-          <a:p>
-            <a:fld id="{11EDCD7B-6966-E249-89F2-D46BDFBF56BE}" type="datetime1">
-              <a:rPr lang="fi-FI" smtClean="0"/>
-              <a:t>27.11.2024</a:t>
-            </a:fld>
-            <a:endParaRPr lang="en-GB" dirty="0"/>
-          </a:p>
-        </p:txBody>
-      </p:sp>
-      <p:sp>
-        <p:nvSpPr>
-          <p:cNvPr id="5" name="Footer Placeholder 4">
-            <a:extLst>
-              <a:ext uri="{FF2B5EF4-FFF2-40B4-BE49-F238E27FC236}">
-                <a16:creationId xmlns:a16="http://schemas.microsoft.com/office/drawing/2014/main" id="{27BD50AF-1644-273D-08FA-47A477ABF834}"/>
-              </a:ext>
-            </a:extLst>
-          </p:cNvPr>
-          <p:cNvSpPr>
-            <a:spLocks noGrp="1"/>
-          </p:cNvSpPr>
-          <p:nvPr>
-            <p:ph type="ftr" sz="quarter" idx="11"/>
-          </p:nvPr>
-        </p:nvSpPr>
-        <p:spPr/>
-        <p:txBody>
-          <a:bodyPr>
-            <a:normAutofit fontScale="92500" lnSpcReduction="20000"/>
-          </a:bodyPr>
-          <a:lstStyle/>
-          <a:p>
-            <a:endParaRPr lang="en-US" dirty="0"/>
-          </a:p>
-          <a:p>
-            <a:endParaRPr lang="en-US" dirty="0"/>
-          </a:p>
-          <a:p>
-            <a:r>
-              <a:rPr lang="en-US" dirty="0"/>
-              <a:t>ICT Security Basics from Trust to Blockchain - ICT4HM103-3006 </a:t>
-            </a:r>
-            <a:endParaRPr lang="en-GB" dirty="0"/>
-          </a:p>
-        </p:txBody>
-      </p:sp>
-      <p:sp>
-        <p:nvSpPr>
-          <p:cNvPr id="6" name="Slide Number Placeholder 5">
-            <a:extLst>
-              <a:ext uri="{FF2B5EF4-FFF2-40B4-BE49-F238E27FC236}">
-                <a16:creationId xmlns:a16="http://schemas.microsoft.com/office/drawing/2014/main" id="{0050F34C-87B3-AC1F-A333-EE1CC5CC0A2F}"/>
-              </a:ext>
-            </a:extLst>
-          </p:cNvPr>
-          <p:cNvSpPr>
-            <a:spLocks noGrp="1"/>
-          </p:cNvSpPr>
-          <p:nvPr>
-            <p:ph type="sldNum" sz="quarter" idx="12"/>
-          </p:nvPr>
-        </p:nvSpPr>
-        <p:spPr/>
-        <p:txBody>
-          <a:bodyPr/>
-          <a:lstStyle/>
-          <a:p>
-            <a:fld id="{76BAB7ED-EDE9-4D4B-9A2D-30E18C47C16E}" type="slidenum">
-              <a:rPr lang="en-GB" smtClean="0"/>
-              <a:t>7</a:t>
-            </a:fld>
-            <a:endParaRPr lang="en-GB" dirty="0"/>
-          </a:p>
-        </p:txBody>
-      </p:sp>
-    </p:spTree>
-    <p:extLst>
-      <p:ext uri="{BB962C8B-B14F-4D97-AF65-F5344CB8AC3E}">
-        <p14:creationId xmlns:p14="http://schemas.microsoft.com/office/powerpoint/2010/main" val="2342230921"/>
-      </p:ext>
-    </p:extLst>
-  </p:cSld>
-  <p:clrMapOvr>
-    <a:masterClrMapping/>
-  </p:clrMapOvr>
-</p:sld>
-</file>
-
-<file path=ppt/slides/slide9.xml><?xml version="1.0" encoding="utf-8"?>
-<p:sld xmlns:a="http://schemas.openxmlformats.org/drawingml/2006/main" xmlns:r="http://schemas.openxmlformats.org/officeDocument/2006/relationships" xmlns:p="http://schemas.openxmlformats.org/presentationml/2006/main">
-  <p:cSld>
-    <p:spTree>
-      <p:nvGrpSpPr>
-        <p:cNvPr id="1" name="">
-          <a:extLst>
-            <a:ext uri="{FF2B5EF4-FFF2-40B4-BE49-F238E27FC236}">
-              <a16:creationId xmlns:a16="http://schemas.microsoft.com/office/drawing/2014/main" id="{454B90B9-EFD1-372D-89E1-095C43805235}"/>
-            </a:ext>
-          </a:extLst>
-        </p:cNvPr>
-        <p:cNvGrpSpPr/>
-        <p:nvPr/>
-      </p:nvGrpSpPr>
-      <p:grpSpPr>
-        <a:xfrm>
-          <a:off x="0" y="0"/>
-          <a:ext cx="0" cy="0"/>
-          <a:chOff x="0" y="0"/>
-          <a:chExt cx="0" cy="0"/>
-        </a:xfrm>
-      </p:grpSpPr>
-      <p:sp>
-        <p:nvSpPr>
-          <p:cNvPr id="2" name="Title 1">
-            <a:extLst>
-              <a:ext uri="{FF2B5EF4-FFF2-40B4-BE49-F238E27FC236}">
-                <a16:creationId xmlns:a16="http://schemas.microsoft.com/office/drawing/2014/main" id="{26DE592A-B80A-F805-17F0-4C0D87200E50}"/>
-              </a:ext>
-            </a:extLst>
-          </p:cNvPr>
-          <p:cNvSpPr>
-            <a:spLocks noGrp="1"/>
-          </p:cNvSpPr>
-          <p:nvPr>
-            <p:ph type="title"/>
-          </p:nvPr>
-        </p:nvSpPr>
-        <p:spPr/>
-        <p:txBody>
-          <a:bodyPr/>
-          <a:lstStyle/>
-          <a:p>
-            <a:r>
-              <a:rPr lang="en-US" dirty="0"/>
-              <a:t>What are the do’s and don’ts when dealing with storage media?</a:t>
-            </a:r>
-          </a:p>
-        </p:txBody>
-      </p:sp>
-      <p:sp>
-        <p:nvSpPr>
-          <p:cNvPr id="3" name="Content Placeholder 2">
-            <a:extLst>
-              <a:ext uri="{FF2B5EF4-FFF2-40B4-BE49-F238E27FC236}">
-                <a16:creationId xmlns:a16="http://schemas.microsoft.com/office/drawing/2014/main" id="{6ACFA6CD-A838-BA53-9D82-CA057360E534}"/>
-              </a:ext>
-            </a:extLst>
-          </p:cNvPr>
-          <p:cNvSpPr>
-            <a:spLocks noGrp="1"/>
-          </p:cNvSpPr>
-          <p:nvPr>
-            <p:ph sz="half" idx="2"/>
-          </p:nvPr>
-        </p:nvSpPr>
-        <p:spPr/>
-        <p:txBody>
-          <a:bodyPr/>
-          <a:lstStyle/>
-          <a:p>
-            <a:endParaRPr lang="en-US" dirty="0"/>
-          </a:p>
-        </p:txBody>
-      </p:sp>
-      <p:sp>
-        <p:nvSpPr>
-          <p:cNvPr id="4" name="Date Placeholder 3">
-            <a:extLst>
-              <a:ext uri="{FF2B5EF4-FFF2-40B4-BE49-F238E27FC236}">
-                <a16:creationId xmlns:a16="http://schemas.microsoft.com/office/drawing/2014/main" id="{D73113BA-55C9-3BC5-F943-9913F0C12935}"/>
-              </a:ext>
-            </a:extLst>
-          </p:cNvPr>
-          <p:cNvSpPr>
-            <a:spLocks noGrp="1"/>
-          </p:cNvSpPr>
-          <p:nvPr>
-            <p:ph type="dt" sz="half" idx="10"/>
-          </p:nvPr>
-        </p:nvSpPr>
-        <p:spPr/>
-        <p:txBody>
-          <a:bodyPr/>
-          <a:lstStyle/>
-          <a:p>
-            <a:fld id="{11EDCD7B-6966-E249-89F2-D46BDFBF56BE}" type="datetime1">
-              <a:rPr lang="fi-FI" smtClean="0"/>
-              <a:t>27.11.2024</a:t>
-            </a:fld>
-            <a:endParaRPr lang="en-GB" dirty="0"/>
-          </a:p>
-        </p:txBody>
-      </p:sp>
-      <p:sp>
-        <p:nvSpPr>
-          <p:cNvPr id="5" name="Footer Placeholder 4">
-            <a:extLst>
-              <a:ext uri="{FF2B5EF4-FFF2-40B4-BE49-F238E27FC236}">
-                <a16:creationId xmlns:a16="http://schemas.microsoft.com/office/drawing/2014/main" id="{2D56E852-089A-5398-1E5E-27D3E294F1B6}"/>
-              </a:ext>
-            </a:extLst>
-          </p:cNvPr>
-          <p:cNvSpPr>
-            <a:spLocks noGrp="1"/>
-          </p:cNvSpPr>
-          <p:nvPr>
-            <p:ph type="ftr" sz="quarter" idx="11"/>
-          </p:nvPr>
-        </p:nvSpPr>
-        <p:spPr/>
-        <p:txBody>
-          <a:bodyPr>
-            <a:normAutofit fontScale="92500" lnSpcReduction="20000"/>
-          </a:bodyPr>
-          <a:lstStyle/>
-          <a:p>
-            <a:endParaRPr lang="en-US" dirty="0"/>
-          </a:p>
-          <a:p>
-            <a:endParaRPr lang="en-US" dirty="0"/>
-          </a:p>
-          <a:p>
-            <a:r>
-              <a:rPr lang="en-US" dirty="0"/>
-              <a:t>ICT Security Basics from Trust to Blockchain - ICT4HM103-3006 </a:t>
-            </a:r>
-            <a:endParaRPr lang="en-GB" dirty="0"/>
-          </a:p>
-        </p:txBody>
-      </p:sp>
-      <p:sp>
-        <p:nvSpPr>
-          <p:cNvPr id="6" name="Slide Number Placeholder 5">
-            <a:extLst>
-              <a:ext uri="{FF2B5EF4-FFF2-40B4-BE49-F238E27FC236}">
-                <a16:creationId xmlns:a16="http://schemas.microsoft.com/office/drawing/2014/main" id="{C49CBCE6-6A13-1260-4D36-A3516431B5E2}"/>
-              </a:ext>
-            </a:extLst>
-          </p:cNvPr>
-          <p:cNvSpPr>
-            <a:spLocks noGrp="1"/>
-          </p:cNvSpPr>
-          <p:nvPr>
-            <p:ph type="sldNum" sz="quarter" idx="12"/>
-          </p:nvPr>
-        </p:nvSpPr>
-        <p:spPr/>
-        <p:txBody>
-          <a:bodyPr/>
-          <a:lstStyle/>
-          <a:p>
-            <a:fld id="{76BAB7ED-EDE9-4D4B-9A2D-30E18C47C16E}" type="slidenum">
-              <a:rPr lang="en-GB" smtClean="0"/>
-              <a:t>8</a:t>
-            </a:fld>
-            <a:endParaRPr lang="en-GB" dirty="0"/>
-          </a:p>
-        </p:txBody>
-      </p:sp>
-    </p:spTree>
-    <p:extLst>
-      <p:ext uri="{BB962C8B-B14F-4D97-AF65-F5344CB8AC3E}">
-        <p14:creationId xmlns:p14="http://schemas.microsoft.com/office/powerpoint/2010/main" val="987088310"/>
       </p:ext>
     </p:extLst>
   </p:cSld>
@@ -9789,21 +10285,21 @@
 </file>
 
 <file path=customXml/item1.xml><?xml version="1.0" encoding="utf-8"?>
+<p:properties xmlns:p="http://schemas.microsoft.com/office/2006/metadata/properties" xmlns:xsi="http://www.w3.org/2001/XMLSchema-instance" xmlns:pc="http://schemas.microsoft.com/office/infopath/2007/PartnerControls">
+  <documentManagement>
+    <PublishingExpirationDate xmlns="http://schemas.microsoft.com/sharepoint/v3" xsi:nil="true"/>
+    <PublishingStartDate xmlns="http://schemas.microsoft.com/sharepoint/v3" xsi:nil="true"/>
+  </documentManagement>
+</p:properties>
+</file>
+
+<file path=customXml/item2.xml><?xml version="1.0" encoding="utf-8"?>
 <?mso-contentType ?>
 <FormTemplates xmlns="http://schemas.microsoft.com/sharepoint/v3/contenttype/forms">
   <Display>DocumentLibraryForm</Display>
   <Edit>DocumentLibraryForm</Edit>
   <New>DocumentLibraryForm</New>
 </FormTemplates>
-</file>
-
-<file path=customXml/item2.xml><?xml version="1.0" encoding="utf-8"?>
-<p:properties xmlns:p="http://schemas.microsoft.com/office/2006/metadata/properties" xmlns:xsi="http://www.w3.org/2001/XMLSchema-instance" xmlns:pc="http://schemas.microsoft.com/office/infopath/2007/PartnerControls">
-  <documentManagement>
-    <PublishingExpirationDate xmlns="http://schemas.microsoft.com/sharepoint/v3" xsi:nil="true"/>
-    <PublishingStartDate xmlns="http://schemas.microsoft.com/sharepoint/v3" xsi:nil="true"/>
-  </documentManagement>
-</p:properties>
 </file>
 
 <file path=customXml/item3.xml><?xml version="1.0" encoding="utf-8"?>
@@ -9939,14 +10435,6 @@
 </file>
 
 <file path=customXml/itemProps1.xml><?xml version="1.0" encoding="utf-8"?>
-<ds:datastoreItem xmlns:ds="http://schemas.openxmlformats.org/officeDocument/2006/customXml" ds:itemID="{D546C03B-CD3A-4EA0-AAA4-0E00E896454E}">
-  <ds:schemaRefs>
-    <ds:schemaRef ds:uri="http://schemas.microsoft.com/sharepoint/v3/contenttype/forms"/>
-  </ds:schemaRefs>
-</ds:datastoreItem>
-</file>
-
-<file path=customXml/itemProps2.xml><?xml version="1.0" encoding="utf-8"?>
 <ds:datastoreItem xmlns:ds="http://schemas.openxmlformats.org/officeDocument/2006/customXml" ds:itemID="{DED4E12E-7268-4B03-A47B-0755D62B5E31}">
   <ds:schemaRefs>
     <ds:schemaRef ds:uri="http://purl.org/dc/elements/1.1/"/>
@@ -9958,6 +10446,14 @@
     <ds:schemaRef ds:uri="http://schemas.microsoft.com/office/infopath/2007/PartnerControls"/>
     <ds:schemaRef ds:uri="http://schemas.microsoft.com/sharepoint/v3"/>
     <ds:schemaRef ds:uri="http://www.w3.org/XML/1998/namespace"/>
+  </ds:schemaRefs>
+</ds:datastoreItem>
+</file>
+
+<file path=customXml/itemProps2.xml><?xml version="1.0" encoding="utf-8"?>
+<ds:datastoreItem xmlns:ds="http://schemas.openxmlformats.org/officeDocument/2006/customXml" ds:itemID="{D546C03B-CD3A-4EA0-AAA4-0E00E896454E}">
+  <ds:schemaRefs>
+    <ds:schemaRef ds:uri="http://schemas.microsoft.com/sharepoint/v3/contenttype/forms"/>
   </ds:schemaRefs>
 </ds:datastoreItem>
 </file>

--- a/class_presentation/Dont_trust_that_storage_medium.pptx
+++ b/class_presentation/Dont_trust_that_storage_medium.pptx
@@ -5,7 +5,7 @@
     <p:sldMasterId id="2147483648" r:id="rId4"/>
   </p:sldMasterIdLst>
   <p:notesMasterIdLst>
-    <p:notesMasterId r:id="rId18"/>
+    <p:notesMasterId r:id="rId21"/>
   </p:notesMasterIdLst>
   <p:sldIdLst>
     <p:sldId id="256" r:id="rId5"/>
@@ -15,12 +15,15 @@
     <p:sldId id="266" r:id="rId9"/>
     <p:sldId id="263" r:id="rId10"/>
     <p:sldId id="269" r:id="rId11"/>
-    <p:sldId id="268" r:id="rId12"/>
-    <p:sldId id="261" r:id="rId13"/>
+    <p:sldId id="270" r:id="rId12"/>
+    <p:sldId id="272" r:id="rId13"/>
     <p:sldId id="264" r:id="rId14"/>
     <p:sldId id="265" r:id="rId15"/>
-    <p:sldId id="267" r:id="rId16"/>
-    <p:sldId id="258" r:id="rId17"/>
+    <p:sldId id="273" r:id="rId16"/>
+    <p:sldId id="274" r:id="rId17"/>
+    <p:sldId id="267" r:id="rId18"/>
+    <p:sldId id="271" r:id="rId19"/>
+    <p:sldId id="258" r:id="rId20"/>
   </p:sldIdLst>
   <p:sldSz cx="12192000" cy="6858000"/>
   <p:notesSz cx="6858000" cy="9144000"/>
@@ -1203,7 +1206,7 @@
           <a:p>
             <a:fld id="{5645C365-1C26-6946-87AF-75D6A7DF4277}" type="datetimeFigureOut">
               <a:rPr lang="en-GB" smtClean="0"/>
-              <a:t>27/11/2024</a:t>
+              <a:t>28/11/2024</a:t>
             </a:fld>
             <a:endParaRPr lang="en-GB"/>
           </a:p>
@@ -1702,7 +1705,7 @@
           <a:p>
             <a:fld id="{35B864B8-8D08-7B43-B4FB-B2FB41A5D9E3}" type="datetime1">
               <a:rPr lang="fi-FI" smtClean="0"/>
-              <a:t>27.11.2024</a:t>
+              <a:t>28.11.2024</a:t>
             </a:fld>
             <a:endParaRPr lang="en-GB" dirty="0"/>
           </a:p>
@@ -2029,7 +2032,7 @@
           <a:p>
             <a:fld id="{D5AEA85A-FC56-D34C-9AA6-ECC3D2586F37}" type="datetime1">
               <a:rPr lang="fi-FI" smtClean="0"/>
-              <a:t>27.11.2024</a:t>
+              <a:t>28.11.2024</a:t>
             </a:fld>
             <a:endParaRPr lang="en-GB" dirty="0"/>
           </a:p>
@@ -2239,7 +2242,7 @@
           <a:p>
             <a:fld id="{E6BC6EEF-E660-7844-8930-418AFF95EA40}" type="datetime1">
               <a:rPr lang="fi-FI" smtClean="0"/>
-              <a:t>27.11.2024</a:t>
+              <a:t>28.11.2024</a:t>
             </a:fld>
             <a:endParaRPr lang="en-GB" dirty="0"/>
           </a:p>
@@ -2548,7 +2551,7 @@
           <a:p>
             <a:fld id="{4E10C7EC-C1C1-9849-A573-7692478FCD52}" type="datetime1">
               <a:rPr lang="fi-FI" smtClean="0"/>
-              <a:t>27.11.2024</a:t>
+              <a:t>28.11.2024</a:t>
             </a:fld>
             <a:endParaRPr lang="en-GB" dirty="0"/>
           </a:p>
@@ -2821,7 +2824,7 @@
           <a:p>
             <a:fld id="{844FF3FE-30BE-2040-9151-6FBC4992BF4F}" type="datetime1">
               <a:rPr lang="fi-FI" smtClean="0"/>
-              <a:t>27.11.2024</a:t>
+              <a:t>28.11.2024</a:t>
             </a:fld>
             <a:endParaRPr lang="en-GB" dirty="0"/>
           </a:p>
@@ -3061,7 +3064,7 @@
           <a:p>
             <a:fld id="{11EDCD7B-6966-E249-89F2-D46BDFBF56BE}" type="datetime1">
               <a:rPr lang="fi-FI" smtClean="0"/>
-              <a:t>27.11.2024</a:t>
+              <a:t>28.11.2024</a:t>
             </a:fld>
             <a:endParaRPr lang="en-GB" dirty="0"/>
           </a:p>
@@ -3354,7 +3357,7 @@
           <a:p>
             <a:fld id="{11EDCD7B-6966-E249-89F2-D46BDFBF56BE}" type="datetime1">
               <a:rPr lang="fi-FI" smtClean="0"/>
-              <a:t>27.11.2024</a:t>
+              <a:t>28.11.2024</a:t>
             </a:fld>
             <a:endParaRPr lang="en-GB" dirty="0"/>
           </a:p>
@@ -3793,7 +3796,7 @@
           <a:p>
             <a:fld id="{844FF3FE-30BE-2040-9151-6FBC4992BF4F}" type="datetime1">
               <a:rPr lang="fi-FI" smtClean="0"/>
-              <a:t>27.11.2024</a:t>
+              <a:t>28.11.2024</a:t>
             </a:fld>
             <a:endParaRPr lang="en-GB" dirty="0"/>
           </a:p>
@@ -4021,7 +4024,7 @@
           <a:p>
             <a:fld id="{11EDCD7B-6966-E249-89F2-D46BDFBF56BE}" type="datetime1">
               <a:rPr lang="fi-FI" smtClean="0"/>
-              <a:t>27.11.2024</a:t>
+              <a:t>28.11.2024</a:t>
             </a:fld>
             <a:endParaRPr lang="en-GB" dirty="0"/>
           </a:p>
@@ -4436,7 +4439,7 @@
           <a:p>
             <a:fld id="{B62E192A-D52B-F541-B2AA-4AEB9388F1F7}" type="datetime1">
               <a:rPr lang="fi-FI" smtClean="0"/>
-              <a:t>27.11.2024</a:t>
+              <a:t>28.11.2024</a:t>
             </a:fld>
             <a:endParaRPr lang="en-GB" dirty="0"/>
           </a:p>
@@ -4736,7 +4739,7 @@
           <a:p>
             <a:fld id="{EEA4FAA2-2B3E-264C-A42F-2D6D3EF33A3C}" type="datetime1">
               <a:rPr lang="fi-FI" smtClean="0"/>
-              <a:t>27.11.2024</a:t>
+              <a:t>28.11.2024</a:t>
             </a:fld>
             <a:endParaRPr lang="en-GB" dirty="0"/>
           </a:p>
@@ -5639,7 +5642,7 @@
           <a:p>
             <a:fld id="{B3114A65-8017-1743-A85A-B2A4BB835AE9}" type="datetime1">
               <a:rPr lang="fi-FI" smtClean="0"/>
-              <a:t>27.11.2024</a:t>
+              <a:t>28.11.2024</a:t>
             </a:fld>
             <a:endParaRPr lang="en-GB" dirty="0"/>
           </a:p>
@@ -5867,7 +5870,7 @@
           <a:p>
             <a:fld id="{11EDCD7B-6966-E249-89F2-D46BDFBF56BE}" type="datetime1">
               <a:rPr lang="fi-FI" smtClean="0"/>
-              <a:t>27.11.2024</a:t>
+              <a:t>28.11.2024</a:t>
             </a:fld>
             <a:endParaRPr lang="en-GB" dirty="0"/>
           </a:p>
@@ -6159,7 +6162,7 @@
           <a:p>
             <a:fld id="{45F98643-D206-614D-B596-3C8548138211}" type="datetime1">
               <a:rPr lang="fi-FI" smtClean="0"/>
-              <a:t>27.11.2024</a:t>
+              <a:t>28.11.2024</a:t>
             </a:fld>
             <a:endParaRPr lang="en-GB" dirty="0"/>
           </a:p>
@@ -6800,7 +6803,7 @@
           <a:p>
             <a:fld id="{30BF63A1-919F-FB49-ABA8-182126D24C50}" type="datetime1">
               <a:rPr lang="fi-FI" smtClean="0"/>
-              <a:t>27.11.2024</a:t>
+              <a:t>28.11.2024</a:t>
             </a:fld>
             <a:endParaRPr lang="en-GB" dirty="0"/>
           </a:p>
@@ -6934,10 +6937,28 @@
             </a:r>
           </a:p>
           <a:p>
+            <a:endParaRPr lang="en-US" dirty="0"/>
+          </a:p>
+          <a:p>
             <a:r>
               <a:rPr lang="en-US" dirty="0"/>
-              <a:t> </a:t>
-            </a:r>
+              <a:t>Efficient malware delivery relies on operating system autorun/autoplay function in insertion.</a:t>
+            </a:r>
+          </a:p>
+          <a:p>
+            <a:endParaRPr lang="en-US" dirty="0"/>
+          </a:p>
+          <a:p>
+            <a:r>
+              <a:rPr lang="en-US" dirty="0"/>
+              <a:t>Today, this functionality is usually disabled by default, but some operating systems (example Windows) gives the users a popup dialog on what to do with the inserted disc.</a:t>
+            </a:r>
+          </a:p>
+          <a:p>
+            <a:endParaRPr lang="en-US" dirty="0"/>
+          </a:p>
+          <a:p>
+            <a:endParaRPr lang="en-US" dirty="0"/>
           </a:p>
           <a:p>
             <a:pPr marL="0" indent="0">
@@ -6970,7 +6991,7 @@
           <a:p>
             <a:fld id="{11EDCD7B-6966-E249-89F2-D46BDFBF56BE}" type="datetime1">
               <a:rPr lang="fi-FI" smtClean="0"/>
-              <a:t>27.11.2024</a:t>
+              <a:t>28.11.2024</a:t>
             </a:fld>
             <a:endParaRPr lang="en-GB" dirty="0"/>
           </a:p>
@@ -7124,10 +7145,41 @@
         </p:nvSpPr>
         <p:spPr/>
         <p:txBody>
-          <a:bodyPr/>
-          <a:lstStyle/>
-          <a:p>
-            <a:endParaRPr lang="en-US" dirty="0"/>
+          <a:bodyPr>
+            <a:normAutofit/>
+          </a:bodyPr>
+          <a:lstStyle/>
+          <a:p>
+            <a:r>
+              <a:rPr lang="en-US" dirty="0"/>
+              <a:t>HDD’s and SSD’s offer more persistence for an attack.</a:t>
+            </a:r>
+          </a:p>
+          <a:p>
+            <a:r>
+              <a:rPr lang="en-US" dirty="0"/>
+              <a:t>This attack vector usually requires much more effort from the attacker and after successful insertion, are harder to mitigate.</a:t>
+            </a:r>
+          </a:p>
+          <a:p>
+            <a:r>
+              <a:rPr lang="en-US" dirty="0"/>
+              <a:t>Two examples for HDD’s and SSD’s related vulnerabilities.</a:t>
+            </a:r>
+          </a:p>
+          <a:p>
+            <a:pPr lvl="1"/>
+            <a:r>
+              <a:rPr lang="en-US" dirty="0"/>
+              <a:t>Corrupted disc firmware.</a:t>
+            </a:r>
+          </a:p>
+          <a:p>
+            <a:pPr lvl="1"/>
+            <a:r>
+              <a:rPr lang="en-US" dirty="0"/>
+              <a:t>Malware hiding in an overprovisioned part of the SSD.</a:t>
+            </a:r>
           </a:p>
         </p:txBody>
       </p:sp>
@@ -7154,7 +7206,7 @@
           <a:p>
             <a:fld id="{11EDCD7B-6966-E249-89F2-D46BDFBF56BE}" type="datetime1">
               <a:rPr lang="fi-FI" smtClean="0"/>
-              <a:t>27.11.2024</a:t>
+              <a:t>28.11.2024</a:t>
             </a:fld>
             <a:endParaRPr lang="en-GB" dirty="0"/>
           </a:p>
@@ -7240,6 +7292,479 @@
 </file>
 
 <file path=ppt/slides/slide12.xml><?xml version="1.0" encoding="utf-8"?>
+<p:sld xmlns:a="http://schemas.openxmlformats.org/drawingml/2006/main" xmlns:r="http://schemas.openxmlformats.org/officeDocument/2006/relationships" xmlns:p="http://schemas.openxmlformats.org/presentationml/2006/main">
+  <p:cSld>
+    <p:spTree>
+      <p:nvGrpSpPr>
+        <p:cNvPr id="1" name="">
+          <a:extLst>
+            <a:ext uri="{FF2B5EF4-FFF2-40B4-BE49-F238E27FC236}">
+              <a16:creationId xmlns:a16="http://schemas.microsoft.com/office/drawing/2014/main" id="{0E11C1E8-82E5-FFD8-5BEB-ACC20DFDD3A0}"/>
+            </a:ext>
+          </a:extLst>
+        </p:cNvPr>
+        <p:cNvGrpSpPr/>
+        <p:nvPr/>
+      </p:nvGrpSpPr>
+      <p:grpSpPr>
+        <a:xfrm>
+          <a:off x="0" y="0"/>
+          <a:ext cx="0" cy="0"/>
+          <a:chOff x="0" y="0"/>
+          <a:chExt cx="0" cy="0"/>
+        </a:xfrm>
+      </p:grpSpPr>
+      <p:sp>
+        <p:nvSpPr>
+          <p:cNvPr id="2" name="Title 1">
+            <a:extLst>
+              <a:ext uri="{FF2B5EF4-FFF2-40B4-BE49-F238E27FC236}">
+                <a16:creationId xmlns:a16="http://schemas.microsoft.com/office/drawing/2014/main" id="{38770B84-ACFF-DF22-966B-D73F48F6340D}"/>
+              </a:ext>
+            </a:extLst>
+          </p:cNvPr>
+          <p:cNvSpPr>
+            <a:spLocks noGrp="1"/>
+          </p:cNvSpPr>
+          <p:nvPr>
+            <p:ph type="title"/>
+          </p:nvPr>
+        </p:nvSpPr>
+        <p:spPr>
+          <a:xfrm>
+            <a:off x="550864" y="549275"/>
+            <a:ext cx="11125200" cy="1223963"/>
+          </a:xfrm>
+        </p:spPr>
+        <p:txBody>
+          <a:bodyPr/>
+          <a:lstStyle/>
+          <a:p>
+            <a:r>
+              <a:rPr lang="en-US" dirty="0"/>
+              <a:t>Hard disc drives (HDD) &amp; Solid-state drives (SSD)</a:t>
+            </a:r>
+          </a:p>
+        </p:txBody>
+      </p:sp>
+      <p:sp>
+        <p:nvSpPr>
+          <p:cNvPr id="3" name="Content Placeholder 2">
+            <a:extLst>
+              <a:ext uri="{FF2B5EF4-FFF2-40B4-BE49-F238E27FC236}">
+                <a16:creationId xmlns:a16="http://schemas.microsoft.com/office/drawing/2014/main" id="{B055C731-7A79-47D6-98F2-69491B98D1FA}"/>
+              </a:ext>
+            </a:extLst>
+          </p:cNvPr>
+          <p:cNvSpPr>
+            <a:spLocks noGrp="1"/>
+          </p:cNvSpPr>
+          <p:nvPr>
+            <p:ph sz="half" idx="2"/>
+          </p:nvPr>
+        </p:nvSpPr>
+        <p:spPr/>
+        <p:txBody>
+          <a:bodyPr>
+            <a:normAutofit/>
+          </a:bodyPr>
+          <a:lstStyle/>
+          <a:p>
+            <a:pPr marL="0" indent="0">
+              <a:buNone/>
+            </a:pPr>
+            <a:r>
+              <a:rPr lang="en-US" b="1" dirty="0"/>
+              <a:t>Corrupted disc firmware.</a:t>
+            </a:r>
+          </a:p>
+          <a:p>
+            <a:pPr marL="0" indent="0">
+              <a:buNone/>
+            </a:pPr>
+            <a:endParaRPr lang="en-US" dirty="0"/>
+          </a:p>
+          <a:p>
+            <a:r>
+              <a:rPr lang="en-US" dirty="0"/>
+              <a:t>Hard drive firmware (“device operating system”) is an essential part of HDDs and SSDs, without it, it they can’t operate.</a:t>
+            </a:r>
+          </a:p>
+          <a:p>
+            <a:r>
+              <a:rPr lang="en-US" dirty="0"/>
+              <a:t>Unseen to the user, since its not apart of the disc partitioning table.</a:t>
+            </a:r>
+          </a:p>
+          <a:p>
+            <a:pPr lvl="1"/>
+            <a:r>
+              <a:rPr lang="en-US" dirty="0"/>
+              <a:t>Because of this, normal disc formatting will not remove the malicious content </a:t>
+            </a:r>
+          </a:p>
+          <a:p>
+            <a:r>
+              <a:rPr lang="en-US" dirty="0"/>
+              <a:t>Corrupted disc firmware can execute malicious code on host device boot </a:t>
+            </a:r>
+            <a:br>
+              <a:rPr lang="en-US" dirty="0"/>
+            </a:br>
+            <a:r>
+              <a:rPr lang="en-US" dirty="0"/>
+              <a:t>(like infected boot sector).</a:t>
+            </a:r>
+          </a:p>
+          <a:p>
+            <a:endParaRPr lang="en-US" dirty="0"/>
+          </a:p>
+        </p:txBody>
+      </p:sp>
+      <p:sp>
+        <p:nvSpPr>
+          <p:cNvPr id="4" name="Date Placeholder 3">
+            <a:extLst>
+              <a:ext uri="{FF2B5EF4-FFF2-40B4-BE49-F238E27FC236}">
+                <a16:creationId xmlns:a16="http://schemas.microsoft.com/office/drawing/2014/main" id="{37CF8F2C-FE4C-76FD-B58F-050EDCF55D42}"/>
+              </a:ext>
+            </a:extLst>
+          </p:cNvPr>
+          <p:cNvSpPr>
+            <a:spLocks noGrp="1"/>
+          </p:cNvSpPr>
+          <p:nvPr>
+            <p:ph type="dt" sz="half" idx="10"/>
+          </p:nvPr>
+        </p:nvSpPr>
+        <p:spPr/>
+        <p:txBody>
+          <a:bodyPr/>
+          <a:lstStyle/>
+          <a:p>
+            <a:fld id="{11EDCD7B-6966-E249-89F2-D46BDFBF56BE}" type="datetime1">
+              <a:rPr lang="fi-FI" smtClean="0"/>
+              <a:t>28.11.2024</a:t>
+            </a:fld>
+            <a:endParaRPr lang="en-GB" dirty="0"/>
+          </a:p>
+        </p:txBody>
+      </p:sp>
+      <p:sp>
+        <p:nvSpPr>
+          <p:cNvPr id="5" name="Footer Placeholder 4">
+            <a:extLst>
+              <a:ext uri="{FF2B5EF4-FFF2-40B4-BE49-F238E27FC236}">
+                <a16:creationId xmlns:a16="http://schemas.microsoft.com/office/drawing/2014/main" id="{FD77AF83-0861-26A1-0A87-CEAC5A9550B8}"/>
+              </a:ext>
+            </a:extLst>
+          </p:cNvPr>
+          <p:cNvSpPr>
+            <a:spLocks noGrp="1"/>
+          </p:cNvSpPr>
+          <p:nvPr>
+            <p:ph type="ftr" sz="quarter" idx="11"/>
+          </p:nvPr>
+        </p:nvSpPr>
+        <p:spPr/>
+        <p:txBody>
+          <a:bodyPr>
+            <a:normAutofit fontScale="92500" lnSpcReduction="20000"/>
+          </a:bodyPr>
+          <a:lstStyle/>
+          <a:p>
+            <a:endParaRPr lang="en-US" dirty="0"/>
+          </a:p>
+          <a:p>
+            <a:endParaRPr lang="en-US" dirty="0"/>
+          </a:p>
+          <a:p>
+            <a:r>
+              <a:rPr lang="en-US" dirty="0"/>
+              <a:t>ICT Security Basics from Trust to Blockchain - ICT4HM103-3006 </a:t>
+            </a:r>
+            <a:endParaRPr lang="en-GB" dirty="0"/>
+          </a:p>
+        </p:txBody>
+      </p:sp>
+      <p:sp>
+        <p:nvSpPr>
+          <p:cNvPr id="6" name="Slide Number Placeholder 5">
+            <a:extLst>
+              <a:ext uri="{FF2B5EF4-FFF2-40B4-BE49-F238E27FC236}">
+                <a16:creationId xmlns:a16="http://schemas.microsoft.com/office/drawing/2014/main" id="{4E91E7F7-B2CC-4310-5424-8B934A7B3D85}"/>
+              </a:ext>
+            </a:extLst>
+          </p:cNvPr>
+          <p:cNvSpPr>
+            <a:spLocks noGrp="1"/>
+          </p:cNvSpPr>
+          <p:nvPr>
+            <p:ph type="sldNum" sz="quarter" idx="12"/>
+          </p:nvPr>
+        </p:nvSpPr>
+        <p:spPr/>
+        <p:txBody>
+          <a:bodyPr/>
+          <a:lstStyle/>
+          <a:p>
+            <a:fld id="{76BAB7ED-EDE9-4D4B-9A2D-30E18C47C16E}" type="slidenum">
+              <a:rPr lang="en-GB" smtClean="0"/>
+              <a:t>11</a:t>
+            </a:fld>
+            <a:endParaRPr lang="en-GB" dirty="0"/>
+          </a:p>
+        </p:txBody>
+      </p:sp>
+    </p:spTree>
+    <p:extLst>
+      <p:ext uri="{BB962C8B-B14F-4D97-AF65-F5344CB8AC3E}">
+        <p14:creationId xmlns:p14="http://schemas.microsoft.com/office/powerpoint/2010/main" val="1429231616"/>
+      </p:ext>
+    </p:extLst>
+  </p:cSld>
+  <p:clrMapOvr>
+    <a:masterClrMapping/>
+  </p:clrMapOvr>
+</p:sld>
+</file>
+
+<file path=ppt/slides/slide13.xml><?xml version="1.0" encoding="utf-8"?>
+<p:sld xmlns:a="http://schemas.openxmlformats.org/drawingml/2006/main" xmlns:r="http://schemas.openxmlformats.org/officeDocument/2006/relationships" xmlns:p="http://schemas.openxmlformats.org/presentationml/2006/main">
+  <p:cSld>
+    <p:spTree>
+      <p:nvGrpSpPr>
+        <p:cNvPr id="1" name="">
+          <a:extLst>
+            <a:ext uri="{FF2B5EF4-FFF2-40B4-BE49-F238E27FC236}">
+              <a16:creationId xmlns:a16="http://schemas.microsoft.com/office/drawing/2014/main" id="{33AEF2E0-D318-C5F2-88AF-6E86D0F8A170}"/>
+            </a:ext>
+          </a:extLst>
+        </p:cNvPr>
+        <p:cNvGrpSpPr/>
+        <p:nvPr/>
+      </p:nvGrpSpPr>
+      <p:grpSpPr>
+        <a:xfrm>
+          <a:off x="0" y="0"/>
+          <a:ext cx="0" cy="0"/>
+          <a:chOff x="0" y="0"/>
+          <a:chExt cx="0" cy="0"/>
+        </a:xfrm>
+      </p:grpSpPr>
+      <p:sp>
+        <p:nvSpPr>
+          <p:cNvPr id="2" name="Title 1">
+            <a:extLst>
+              <a:ext uri="{FF2B5EF4-FFF2-40B4-BE49-F238E27FC236}">
+                <a16:creationId xmlns:a16="http://schemas.microsoft.com/office/drawing/2014/main" id="{FD886D22-A5F7-742F-2E4E-A4CC839774E3}"/>
+              </a:ext>
+            </a:extLst>
+          </p:cNvPr>
+          <p:cNvSpPr>
+            <a:spLocks noGrp="1"/>
+          </p:cNvSpPr>
+          <p:nvPr>
+            <p:ph type="title"/>
+          </p:nvPr>
+        </p:nvSpPr>
+        <p:spPr>
+          <a:xfrm>
+            <a:off x="550864" y="549275"/>
+            <a:ext cx="11125200" cy="1223963"/>
+          </a:xfrm>
+        </p:spPr>
+        <p:txBody>
+          <a:bodyPr/>
+          <a:lstStyle/>
+          <a:p>
+            <a:r>
+              <a:rPr lang="en-US" dirty="0"/>
+              <a:t>Hard disc drives (HDD) &amp; Solid-state drives (SSD)</a:t>
+            </a:r>
+          </a:p>
+        </p:txBody>
+      </p:sp>
+      <p:sp>
+        <p:nvSpPr>
+          <p:cNvPr id="3" name="Content Placeholder 2">
+            <a:extLst>
+              <a:ext uri="{FF2B5EF4-FFF2-40B4-BE49-F238E27FC236}">
+                <a16:creationId xmlns:a16="http://schemas.microsoft.com/office/drawing/2014/main" id="{7B904CEC-FB5E-1EAD-78F7-461CE9AE091C}"/>
+              </a:ext>
+            </a:extLst>
+          </p:cNvPr>
+          <p:cNvSpPr>
+            <a:spLocks noGrp="1"/>
+          </p:cNvSpPr>
+          <p:nvPr>
+            <p:ph sz="half" idx="2"/>
+          </p:nvPr>
+        </p:nvSpPr>
+        <p:spPr/>
+        <p:txBody>
+          <a:bodyPr>
+            <a:normAutofit/>
+          </a:bodyPr>
+          <a:lstStyle/>
+          <a:p>
+            <a:pPr marL="0" indent="0">
+              <a:buNone/>
+            </a:pPr>
+            <a:r>
+              <a:rPr lang="en-US" b="1" dirty="0"/>
+              <a:t>Malware hiding in an overprovisioned part of the SSD</a:t>
+            </a:r>
+          </a:p>
+          <a:p>
+            <a:pPr marL="0" indent="0">
+              <a:buNone/>
+            </a:pPr>
+            <a:endParaRPr lang="en-US" dirty="0"/>
+          </a:p>
+          <a:p>
+            <a:r>
+              <a:rPr lang="en-US" i="1" dirty="0"/>
+              <a:t>Note! Issue reported by IEEE, I could not find a real-world example of use.</a:t>
+            </a:r>
+          </a:p>
+          <a:p>
+            <a:r>
+              <a:rPr lang="en-US" dirty="0"/>
+              <a:t>SSD overprovisioning is a method to extend SSD longevity and improve performance by reserving a portion of the disc.</a:t>
+            </a:r>
+          </a:p>
+          <a:p>
+            <a:r>
+              <a:rPr lang="en-US" dirty="0"/>
+              <a:t>Malware could be hidden in an overprovisioned area of the disc and accessed by resizing the disc overprovisioning</a:t>
+            </a:r>
+          </a:p>
+          <a:p>
+            <a:pPr lvl="1"/>
+            <a:r>
+              <a:rPr lang="en-US" dirty="0"/>
+              <a:t>This could be done by the attacker</a:t>
+            </a:r>
+          </a:p>
+          <a:p>
+            <a:pPr lvl="1"/>
+            <a:r>
+              <a:rPr lang="en-US" dirty="0"/>
+              <a:t>Unintentionally by the device user</a:t>
+            </a:r>
+          </a:p>
+        </p:txBody>
+      </p:sp>
+      <p:sp>
+        <p:nvSpPr>
+          <p:cNvPr id="4" name="Date Placeholder 3">
+            <a:extLst>
+              <a:ext uri="{FF2B5EF4-FFF2-40B4-BE49-F238E27FC236}">
+                <a16:creationId xmlns:a16="http://schemas.microsoft.com/office/drawing/2014/main" id="{1B9A662B-95A9-1618-0107-4EA2CA62279D}"/>
+              </a:ext>
+            </a:extLst>
+          </p:cNvPr>
+          <p:cNvSpPr>
+            <a:spLocks noGrp="1"/>
+          </p:cNvSpPr>
+          <p:nvPr>
+            <p:ph type="dt" sz="half" idx="10"/>
+          </p:nvPr>
+        </p:nvSpPr>
+        <p:spPr/>
+        <p:txBody>
+          <a:bodyPr/>
+          <a:lstStyle/>
+          <a:p>
+            <a:fld id="{11EDCD7B-6966-E249-89F2-D46BDFBF56BE}" type="datetime1">
+              <a:rPr lang="fi-FI" smtClean="0"/>
+              <a:t>28.11.2024</a:t>
+            </a:fld>
+            <a:endParaRPr lang="en-GB" dirty="0"/>
+          </a:p>
+        </p:txBody>
+      </p:sp>
+      <p:sp>
+        <p:nvSpPr>
+          <p:cNvPr id="5" name="Footer Placeholder 4">
+            <a:extLst>
+              <a:ext uri="{FF2B5EF4-FFF2-40B4-BE49-F238E27FC236}">
+                <a16:creationId xmlns:a16="http://schemas.microsoft.com/office/drawing/2014/main" id="{9B3BB5AB-7890-6820-DD8A-D82747C38E37}"/>
+              </a:ext>
+            </a:extLst>
+          </p:cNvPr>
+          <p:cNvSpPr>
+            <a:spLocks noGrp="1"/>
+          </p:cNvSpPr>
+          <p:nvPr>
+            <p:ph type="ftr" sz="quarter" idx="11"/>
+          </p:nvPr>
+        </p:nvSpPr>
+        <p:spPr/>
+        <p:txBody>
+          <a:bodyPr>
+            <a:normAutofit fontScale="92500" lnSpcReduction="20000"/>
+          </a:bodyPr>
+          <a:lstStyle/>
+          <a:p>
+            <a:endParaRPr lang="en-US" dirty="0"/>
+          </a:p>
+          <a:p>
+            <a:endParaRPr lang="en-US" dirty="0"/>
+          </a:p>
+          <a:p>
+            <a:r>
+              <a:rPr lang="en-US" dirty="0"/>
+              <a:t>ICT Security Basics from Trust to Blockchain - ICT4HM103-3006 </a:t>
+            </a:r>
+            <a:endParaRPr lang="en-GB" dirty="0"/>
+          </a:p>
+        </p:txBody>
+      </p:sp>
+      <p:sp>
+        <p:nvSpPr>
+          <p:cNvPr id="6" name="Slide Number Placeholder 5">
+            <a:extLst>
+              <a:ext uri="{FF2B5EF4-FFF2-40B4-BE49-F238E27FC236}">
+                <a16:creationId xmlns:a16="http://schemas.microsoft.com/office/drawing/2014/main" id="{FCAE379C-1C06-A135-242C-9E56182DDD7E}"/>
+              </a:ext>
+            </a:extLst>
+          </p:cNvPr>
+          <p:cNvSpPr>
+            <a:spLocks noGrp="1"/>
+          </p:cNvSpPr>
+          <p:nvPr>
+            <p:ph type="sldNum" sz="quarter" idx="12"/>
+          </p:nvPr>
+        </p:nvSpPr>
+        <p:spPr/>
+        <p:txBody>
+          <a:bodyPr/>
+          <a:lstStyle/>
+          <a:p>
+            <a:fld id="{76BAB7ED-EDE9-4D4B-9A2D-30E18C47C16E}" type="slidenum">
+              <a:rPr lang="en-GB" smtClean="0"/>
+              <a:t>12</a:t>
+            </a:fld>
+            <a:endParaRPr lang="en-GB" dirty="0"/>
+          </a:p>
+        </p:txBody>
+      </p:sp>
+    </p:spTree>
+    <p:extLst>
+      <p:ext uri="{BB962C8B-B14F-4D97-AF65-F5344CB8AC3E}">
+        <p14:creationId xmlns:p14="http://schemas.microsoft.com/office/powerpoint/2010/main" val="2983473507"/>
+      </p:ext>
+    </p:extLst>
+  </p:cSld>
+  <p:clrMapOvr>
+    <a:masterClrMapping/>
+  </p:clrMapOvr>
+</p:sld>
+</file>
+
+<file path=ppt/slides/slide14.xml><?xml version="1.0" encoding="utf-8"?>
 <p:sld xmlns:a="http://schemas.openxmlformats.org/drawingml/2006/main" xmlns:r="http://schemas.openxmlformats.org/officeDocument/2006/relationships" xmlns:p="http://schemas.openxmlformats.org/presentationml/2006/main">
   <p:cSld>
     <p:spTree>
@@ -7285,7 +7810,15 @@
           <a:p>
             <a:r>
               <a:rPr lang="en-US" dirty="0"/>
-              <a:t>What countermeasures are there to mitigate storage media related threats?</a:t>
+              <a:t>What </a:t>
+            </a:r>
+            <a:r>
+              <a:rPr lang="en-US" dirty="0" err="1"/>
+              <a:t>recomendations</a:t>
+            </a:r>
+            <a:r>
+              <a:rPr lang="en-US" dirty="0"/>
+              <a:t> are there to mitigate storage media related threats?</a:t>
             </a:r>
           </a:p>
         </p:txBody>
@@ -7308,10 +7841,80 @@
         </p:nvSpPr>
         <p:spPr/>
         <p:txBody>
-          <a:bodyPr/>
-          <a:lstStyle/>
+          <a:bodyPr>
+            <a:normAutofit/>
+          </a:bodyPr>
+          <a:lstStyle/>
+          <a:p>
+            <a:r>
+              <a:rPr lang="en-US" dirty="0"/>
+              <a:t>User training and increased awareness</a:t>
+            </a:r>
+          </a:p>
           <a:p>
             <a:endParaRPr lang="en-US" dirty="0"/>
+          </a:p>
+          <a:p>
+            <a:r>
+              <a:rPr lang="en-US" dirty="0"/>
+              <a:t>Securing computer from BIOS / UEFI</a:t>
+            </a:r>
+          </a:p>
+          <a:p>
+            <a:pPr lvl="1"/>
+            <a:r>
+              <a:rPr lang="en-US" dirty="0"/>
+              <a:t>Enable Trusted Platform Module (TPM)</a:t>
+            </a:r>
+          </a:p>
+          <a:p>
+            <a:pPr lvl="1"/>
+            <a:r>
+              <a:rPr lang="en-US" dirty="0"/>
+              <a:t>Secure device boot</a:t>
+            </a:r>
+          </a:p>
+          <a:p>
+            <a:pPr lvl="2"/>
+            <a:r>
+              <a:rPr lang="en-US" dirty="0"/>
+              <a:t>Using secure boot (Windows)</a:t>
+            </a:r>
+          </a:p>
+          <a:p>
+            <a:pPr lvl="2"/>
+            <a:r>
+              <a:rPr lang="en-US" dirty="0"/>
+              <a:t>Limiting bootable devices</a:t>
+            </a:r>
+          </a:p>
+          <a:p>
+            <a:pPr lvl="3"/>
+            <a:r>
+              <a:rPr lang="en-US" dirty="0"/>
+              <a:t>Can only boot from operating system disc</a:t>
+            </a:r>
+          </a:p>
+          <a:p>
+            <a:pPr lvl="4"/>
+            <a:r>
+              <a:rPr lang="en-US" dirty="0"/>
+              <a:t>Limit boot priority or boot order</a:t>
+            </a:r>
+          </a:p>
+          <a:p>
+            <a:pPr lvl="3"/>
+            <a:r>
+              <a:rPr lang="en-US" dirty="0"/>
+              <a:t>Disable unneeded boot devices or locations</a:t>
+            </a:r>
+          </a:p>
+          <a:p>
+            <a:pPr lvl="4"/>
+            <a:r>
+              <a:rPr lang="en-US" dirty="0"/>
+              <a:t>Network (HTTP(S) or PXE for example), USB, Optical drives</a:t>
+            </a:r>
           </a:p>
         </p:txBody>
       </p:sp>
@@ -7338,7 +7941,7 @@
           <a:p>
             <a:fld id="{11EDCD7B-6966-E249-89F2-D46BDFBF56BE}" type="datetime1">
               <a:rPr lang="fi-FI" smtClean="0"/>
-              <a:t>27.11.2024</a:t>
+              <a:t>28.11.2024</a:t>
             </a:fld>
             <a:endParaRPr lang="en-GB" dirty="0"/>
           </a:p>
@@ -7404,7 +8007,7 @@
           <a:p>
             <a:fld id="{76BAB7ED-EDE9-4D4B-9A2D-30E18C47C16E}" type="slidenum">
               <a:rPr lang="en-GB" smtClean="0"/>
-              <a:t>11</a:t>
+              <a:t>13</a:t>
             </a:fld>
             <a:endParaRPr lang="en-GB" dirty="0"/>
           </a:p>
@@ -7423,7 +8026,203 @@
 </p:sld>
 </file>
 
-<file path=ppt/slides/slide13.xml><?xml version="1.0" encoding="utf-8"?>
+<file path=ppt/slides/slide15.xml><?xml version="1.0" encoding="utf-8"?>
+<p:sld xmlns:a="http://schemas.openxmlformats.org/drawingml/2006/main" xmlns:r="http://schemas.openxmlformats.org/officeDocument/2006/relationships" xmlns:p="http://schemas.openxmlformats.org/presentationml/2006/main">
+  <p:cSld>
+    <p:spTree>
+      <p:nvGrpSpPr>
+        <p:cNvPr id="1" name="">
+          <a:extLst>
+            <a:ext uri="{FF2B5EF4-FFF2-40B4-BE49-F238E27FC236}">
+              <a16:creationId xmlns:a16="http://schemas.microsoft.com/office/drawing/2014/main" id="{215742D6-53B5-43CC-7805-9479D3E8187B}"/>
+            </a:ext>
+          </a:extLst>
+        </p:cNvPr>
+        <p:cNvGrpSpPr/>
+        <p:nvPr/>
+      </p:nvGrpSpPr>
+      <p:grpSpPr>
+        <a:xfrm>
+          <a:off x="0" y="0"/>
+          <a:ext cx="0" cy="0"/>
+          <a:chOff x="0" y="0"/>
+          <a:chExt cx="0" cy="0"/>
+        </a:xfrm>
+      </p:grpSpPr>
+      <p:sp>
+        <p:nvSpPr>
+          <p:cNvPr id="2" name="Title 1">
+            <a:extLst>
+              <a:ext uri="{FF2B5EF4-FFF2-40B4-BE49-F238E27FC236}">
+                <a16:creationId xmlns:a16="http://schemas.microsoft.com/office/drawing/2014/main" id="{21987460-77E5-E7D0-17FE-D5687AA77AD9}"/>
+              </a:ext>
+            </a:extLst>
+          </p:cNvPr>
+          <p:cNvSpPr>
+            <a:spLocks noGrp="1"/>
+          </p:cNvSpPr>
+          <p:nvPr>
+            <p:ph type="title"/>
+          </p:nvPr>
+        </p:nvSpPr>
+        <p:spPr/>
+        <p:txBody>
+          <a:bodyPr/>
+          <a:lstStyle/>
+          <a:p>
+            <a:r>
+              <a:rPr lang="en-US" dirty="0"/>
+              <a:t>What countermeasures are there to mitigate storage media related threats?</a:t>
+            </a:r>
+          </a:p>
+        </p:txBody>
+      </p:sp>
+      <p:sp>
+        <p:nvSpPr>
+          <p:cNvPr id="3" name="Content Placeholder 2">
+            <a:extLst>
+              <a:ext uri="{FF2B5EF4-FFF2-40B4-BE49-F238E27FC236}">
+                <a16:creationId xmlns:a16="http://schemas.microsoft.com/office/drawing/2014/main" id="{4B5C9A98-D876-9524-A71D-60E6CF3DECE1}"/>
+              </a:ext>
+            </a:extLst>
+          </p:cNvPr>
+          <p:cNvSpPr>
+            <a:spLocks noGrp="1"/>
+          </p:cNvSpPr>
+          <p:nvPr>
+            <p:ph sz="half" idx="2"/>
+          </p:nvPr>
+        </p:nvSpPr>
+        <p:spPr/>
+        <p:txBody>
+          <a:bodyPr/>
+          <a:lstStyle/>
+          <a:p>
+            <a:r>
+              <a:rPr lang="en-US" dirty="0"/>
+              <a:t>Use up to date virus protection</a:t>
+            </a:r>
+          </a:p>
+          <a:p>
+            <a:endParaRPr lang="en-US" dirty="0"/>
+          </a:p>
+          <a:p>
+            <a:r>
+              <a:rPr lang="en-US" dirty="0"/>
+              <a:t>Restrict system administrator rights</a:t>
+            </a:r>
+          </a:p>
+        </p:txBody>
+      </p:sp>
+      <p:sp>
+        <p:nvSpPr>
+          <p:cNvPr id="4" name="Date Placeholder 3">
+            <a:extLst>
+              <a:ext uri="{FF2B5EF4-FFF2-40B4-BE49-F238E27FC236}">
+                <a16:creationId xmlns:a16="http://schemas.microsoft.com/office/drawing/2014/main" id="{8E33BDD0-688C-FD6A-2C15-6E8B129870EB}"/>
+              </a:ext>
+            </a:extLst>
+          </p:cNvPr>
+          <p:cNvSpPr>
+            <a:spLocks noGrp="1"/>
+          </p:cNvSpPr>
+          <p:nvPr>
+            <p:ph type="dt" sz="half" idx="10"/>
+          </p:nvPr>
+        </p:nvSpPr>
+        <p:spPr/>
+        <p:txBody>
+          <a:bodyPr/>
+          <a:lstStyle/>
+          <a:p>
+            <a:fld id="{11EDCD7B-6966-E249-89F2-D46BDFBF56BE}" type="datetime1">
+              <a:rPr lang="fi-FI" smtClean="0"/>
+              <a:t>28.11.2024</a:t>
+            </a:fld>
+            <a:endParaRPr lang="en-GB" dirty="0"/>
+          </a:p>
+        </p:txBody>
+      </p:sp>
+      <p:sp>
+        <p:nvSpPr>
+          <p:cNvPr id="5" name="Footer Placeholder 4">
+            <a:extLst>
+              <a:ext uri="{FF2B5EF4-FFF2-40B4-BE49-F238E27FC236}">
+                <a16:creationId xmlns:a16="http://schemas.microsoft.com/office/drawing/2014/main" id="{0C7C7FE6-4ECD-AE51-CE00-C8E781E69184}"/>
+              </a:ext>
+            </a:extLst>
+          </p:cNvPr>
+          <p:cNvSpPr>
+            <a:spLocks noGrp="1"/>
+          </p:cNvSpPr>
+          <p:nvPr>
+            <p:ph type="ftr" sz="quarter" idx="11"/>
+          </p:nvPr>
+        </p:nvSpPr>
+        <p:spPr/>
+        <p:txBody>
+          <a:bodyPr>
+            <a:normAutofit fontScale="92500" lnSpcReduction="20000"/>
+          </a:bodyPr>
+          <a:lstStyle/>
+          <a:p>
+            <a:endParaRPr lang="en-US" dirty="0"/>
+          </a:p>
+          <a:p>
+            <a:endParaRPr lang="en-US" dirty="0"/>
+          </a:p>
+          <a:p>
+            <a:r>
+              <a:rPr lang="en-US" dirty="0"/>
+              <a:t>ICT Security Basics from Trust to Blockchain - ICT4HM103-3006 </a:t>
+            </a:r>
+            <a:endParaRPr lang="en-GB" dirty="0"/>
+          </a:p>
+        </p:txBody>
+      </p:sp>
+      <p:sp>
+        <p:nvSpPr>
+          <p:cNvPr id="6" name="Slide Number Placeholder 5">
+            <a:extLst>
+              <a:ext uri="{FF2B5EF4-FFF2-40B4-BE49-F238E27FC236}">
+                <a16:creationId xmlns:a16="http://schemas.microsoft.com/office/drawing/2014/main" id="{A8884704-BCF3-519F-5F40-82EA04319553}"/>
+              </a:ext>
+            </a:extLst>
+          </p:cNvPr>
+          <p:cNvSpPr>
+            <a:spLocks noGrp="1"/>
+          </p:cNvSpPr>
+          <p:nvPr>
+            <p:ph type="sldNum" sz="quarter" idx="12"/>
+          </p:nvPr>
+        </p:nvSpPr>
+        <p:spPr/>
+        <p:txBody>
+          <a:bodyPr/>
+          <a:lstStyle/>
+          <a:p>
+            <a:fld id="{76BAB7ED-EDE9-4D4B-9A2D-30E18C47C16E}" type="slidenum">
+              <a:rPr lang="en-GB" smtClean="0"/>
+              <a:t>14</a:t>
+            </a:fld>
+            <a:endParaRPr lang="en-GB" dirty="0"/>
+          </a:p>
+        </p:txBody>
+      </p:sp>
+    </p:spTree>
+    <p:extLst>
+      <p:ext uri="{BB962C8B-B14F-4D97-AF65-F5344CB8AC3E}">
+        <p14:creationId xmlns:p14="http://schemas.microsoft.com/office/powerpoint/2010/main" val="1327312804"/>
+      </p:ext>
+    </p:extLst>
+  </p:cSld>
+  <p:clrMapOvr>
+    <a:masterClrMapping/>
+  </p:clrMapOvr>
+</p:sld>
+</file>
+
+<file path=ppt/slides/slide16.xml><?xml version="1.0" encoding="utf-8"?>
 <p:sld xmlns:a="http://schemas.openxmlformats.org/drawingml/2006/main" xmlns:r="http://schemas.openxmlformats.org/officeDocument/2006/relationships" xmlns:p="http://schemas.openxmlformats.org/presentationml/2006/main">
   <p:cSld>
     <p:spTree>
@@ -7510,7 +8309,7 @@
           <a:p>
             <a:fld id="{D5AEA85A-FC56-D34C-9AA6-ECC3D2586F37}" type="datetime1">
               <a:rPr lang="fi-FI" smtClean="0"/>
-              <a:t>27.11.2024</a:t>
+              <a:t>28.11.2024</a:t>
             </a:fld>
             <a:endParaRPr lang="en-GB" dirty="0"/>
           </a:p>
@@ -7564,7 +8363,7 @@
           <a:p>
             <a:fld id="{76BAB7ED-EDE9-4D4B-9A2D-30E18C47C16E}" type="slidenum">
               <a:rPr lang="en-GB" smtClean="0"/>
-              <a:t>12</a:t>
+              <a:t>15</a:t>
             </a:fld>
             <a:endParaRPr lang="en-GB" dirty="0"/>
           </a:p>
@@ -7730,7 +8529,7 @@
           <a:p>
             <a:fld id="{11EDCD7B-6966-E249-89F2-D46BDFBF56BE}" type="datetime1">
               <a:rPr lang="fi-FI" smtClean="0"/>
-              <a:t>27.11.2024</a:t>
+              <a:t>28.11.2024</a:t>
             </a:fld>
             <a:endParaRPr lang="en-GB" dirty="0"/>
           </a:p>
@@ -8034,7 +8833,7 @@
                   <a:spcPts val="600"/>
                 </a:spcAft>
               </a:pPr>
-              <a:t>27.11.2024</a:t>
+              <a:t>28.11.2024</a:t>
             </a:fld>
             <a:endParaRPr lang="en-GB"/>
           </a:p>
@@ -8412,7 +9211,7 @@
           <a:p>
             <a:fld id="{11EDCD7B-6966-E249-89F2-D46BDFBF56BE}" type="datetime1">
               <a:rPr lang="fi-FI" smtClean="0"/>
-              <a:t>27.11.2024</a:t>
+              <a:t>28.11.2024</a:t>
             </a:fld>
             <a:endParaRPr lang="en-GB" dirty="0"/>
           </a:p>
@@ -8624,7 +9423,12 @@
             <p:ph sz="half" idx="2"/>
           </p:nvPr>
         </p:nvSpPr>
-        <p:spPr/>
+        <p:spPr>
+          <a:xfrm>
+            <a:off x="550864" y="1773237"/>
+            <a:ext cx="11125198" cy="4338393"/>
+          </a:xfrm>
+        </p:spPr>
         <p:txBody>
           <a:bodyPr>
             <a:normAutofit/>
@@ -8640,7 +9444,29 @@
             </a:r>
           </a:p>
           <a:p>
-            <a:endParaRPr lang="en-US" sz="2800" dirty="0"/>
+            <a:pPr lvl="1"/>
+            <a:r>
+              <a:rPr lang="en-US" sz="2400" dirty="0"/>
+              <a:t>If you must check an unknown storage medium, sandbox it.</a:t>
+            </a:r>
+          </a:p>
+          <a:p>
+            <a:pPr lvl="2"/>
+            <a:r>
+              <a:rPr lang="en-US" sz="2400" dirty="0"/>
+              <a:t>Virtual environment.</a:t>
+            </a:r>
+          </a:p>
+          <a:p>
+            <a:pPr lvl="2"/>
+            <a:r>
+              <a:rPr lang="en-US" sz="2400" dirty="0"/>
+              <a:t>Nonessential computer with no network access.</a:t>
+            </a:r>
+          </a:p>
+          <a:p>
+            <a:pPr lvl="2"/>
+            <a:endParaRPr lang="en-US" sz="2400" dirty="0"/>
           </a:p>
           <a:p>
             <a:r>
@@ -8654,7 +9480,16 @@
           <a:p>
             <a:r>
               <a:rPr lang="en-US" sz="2800" dirty="0"/>
-              <a:t>“Curiosity killed the cat”, just taking a peek might be enough to be compromised.</a:t>
+              <a:t>“Curiosity killed the cat”, just inserting the device might be enough to be compromised.</a:t>
+            </a:r>
+          </a:p>
+          <a:p>
+            <a:endParaRPr lang="en-US" sz="2800" dirty="0"/>
+          </a:p>
+          <a:p>
+            <a:r>
+              <a:rPr lang="en-US" sz="2800" dirty="0"/>
+              <a:t>In some cases, even formatting the device does not offer protection.</a:t>
             </a:r>
           </a:p>
           <a:p>
@@ -8691,7 +9526,7 @@
           <a:p>
             <a:fld id="{11EDCD7B-6966-E249-89F2-D46BDFBF56BE}" type="datetime1">
               <a:rPr lang="fi-FI" smtClean="0"/>
-              <a:t>27.11.2024</a:t>
+              <a:t>28.11.2024</a:t>
             </a:fld>
             <a:endParaRPr lang="en-GB" dirty="0"/>
           </a:p>
@@ -8822,7 +9657,7 @@
           <a:p>
             <a:r>
               <a:rPr lang="en-US" dirty="0"/>
-              <a:t>So what should we be worried when dealing with storage media?</a:t>
+              <a:t>So, what should we be worried about when dealing with storage media?</a:t>
             </a:r>
           </a:p>
         </p:txBody>
@@ -8850,62 +9685,59 @@
           </a:bodyPr>
           <a:lstStyle/>
           <a:p>
+            <a:endParaRPr lang="en-US" sz="2800" dirty="0"/>
+          </a:p>
+          <a:p>
             <a:r>
               <a:rPr lang="en-US" sz="2800" dirty="0"/>
-              <a:t>May contain malicious software (Malware)</a:t>
-            </a:r>
+              <a:t>May contain malicious software (Malware), examples are:</a:t>
+            </a:r>
+            <a:endParaRPr lang="en-US" sz="2400" dirty="0"/>
           </a:p>
           <a:p>
             <a:pPr lvl="1"/>
-            <a:r>
-              <a:rPr lang="en-US" sz="2400" dirty="0"/>
-              <a:t>Examples are:</a:t>
-            </a:r>
-          </a:p>
-          <a:p>
-            <a:pPr lvl="2"/>
             <a:r>
               <a:rPr lang="en-US" sz="2400" dirty="0"/>
               <a:t>Worms</a:t>
             </a:r>
           </a:p>
           <a:p>
-            <a:pPr lvl="2"/>
+            <a:pPr lvl="1"/>
             <a:r>
               <a:rPr lang="en-US" sz="2400" dirty="0"/>
               <a:t>Trojan horses</a:t>
             </a:r>
           </a:p>
           <a:p>
-            <a:pPr lvl="2"/>
+            <a:pPr lvl="1"/>
             <a:r>
               <a:rPr lang="en-US" sz="2400" dirty="0"/>
               <a:t>Ransomware </a:t>
             </a:r>
           </a:p>
           <a:p>
-            <a:pPr lvl="2"/>
+            <a:pPr lvl="1"/>
             <a:r>
               <a:rPr lang="en-US" sz="2400" dirty="0"/>
               <a:t>Spyware</a:t>
             </a:r>
           </a:p>
           <a:p>
-            <a:pPr lvl="2"/>
+            <a:pPr lvl="1"/>
             <a:r>
               <a:rPr lang="en-US" sz="2400" dirty="0"/>
               <a:t>Adware / Scareware</a:t>
             </a:r>
           </a:p>
           <a:p>
-            <a:pPr lvl="2"/>
+            <a:pPr lvl="1"/>
             <a:r>
               <a:rPr lang="en-US" sz="2400" dirty="0"/>
               <a:t>Wipers</a:t>
             </a:r>
           </a:p>
           <a:p>
-            <a:pPr lvl="2"/>
+            <a:pPr lvl="1"/>
             <a:r>
               <a:rPr lang="en-US" sz="2400" dirty="0"/>
               <a:t>Keyloggers</a:t>
@@ -8941,9 +9773,12 @@
           <a:bodyPr/>
           <a:lstStyle/>
           <a:p>
+            <a:endParaRPr lang="en-US" dirty="0"/>
+          </a:p>
+          <a:p>
             <a:r>
               <a:rPr lang="en-US" dirty="0"/>
-              <a:t>Payload can be delivered/activated by:</a:t>
+              <a:t>Payload can be delivered/executed by various ways:</a:t>
             </a:r>
           </a:p>
           <a:p>
@@ -8957,6 +9792,13 @@
             <a:pPr lvl="1"/>
             <a:r>
               <a:rPr lang="en-US" dirty="0"/>
+              <a:t>Infected boot sector</a:t>
+            </a:r>
+          </a:p>
+          <a:p>
+            <a:pPr lvl="1"/>
+            <a:r>
+              <a:rPr lang="en-US" dirty="0"/>
               <a:t>USB device enumeration </a:t>
             </a:r>
           </a:p>
@@ -8964,7 +9806,7 @@
             <a:pPr lvl="1"/>
             <a:r>
               <a:rPr lang="en-US" dirty="0"/>
-              <a:t>Boot sector on host device boot</a:t>
+              <a:t>Autorun / Autoplay on insertion</a:t>
             </a:r>
           </a:p>
           <a:p>
@@ -8978,14 +9820,7 @@
             <a:pPr lvl="1"/>
             <a:r>
               <a:rPr lang="en-US" dirty="0"/>
-              <a:t>Autorun / Autoplay on insertion</a:t>
-            </a:r>
-          </a:p>
-          <a:p>
-            <a:pPr lvl="1"/>
-            <a:r>
-              <a:rPr lang="en-US" dirty="0"/>
-              <a:t>Payload hiding in a overprovisioned part of the disc</a:t>
+              <a:t>Payload hiding in an overprovisioned part of the SSD (theoretical)</a:t>
             </a:r>
           </a:p>
           <a:p>
@@ -9021,7 +9856,7 @@
           <a:p>
             <a:fld id="{11EDCD7B-6966-E249-89F2-D46BDFBF56BE}" type="datetime1">
               <a:rPr lang="fi-FI" smtClean="0"/>
-              <a:t>27.11.2024</a:t>
+              <a:t>28.11.2024</a:t>
             </a:fld>
             <a:endParaRPr lang="en-GB" dirty="0"/>
           </a:p>
@@ -9195,6 +10030,22 @@
           <a:p>
             <a:r>
               <a:rPr lang="en-US" dirty="0"/>
+              <a:t>This can be achieved by trickery</a:t>
+            </a:r>
+          </a:p>
+          <a:p>
+            <a:pPr lvl="1"/>
+            <a:r>
+              <a:rPr lang="en-US" dirty="0"/>
+              <a:t>Swapping a device or file with a something similar</a:t>
+            </a:r>
+          </a:p>
+          <a:p>
+            <a:endParaRPr lang="en-US" dirty="0"/>
+          </a:p>
+          <a:p>
+            <a:r>
+              <a:rPr lang="en-US" dirty="0"/>
               <a:t>This can be achieved by social engineering</a:t>
             </a:r>
           </a:p>
@@ -9209,7 +10060,14 @@
             <a:pPr lvl="1"/>
             <a:r>
               <a:rPr lang="en-US" dirty="0"/>
-              <a:t>Past as a legitimate device</a:t>
+              <a:t>Pass on as a legitimate article</a:t>
+            </a:r>
+          </a:p>
+          <a:p>
+            <a:pPr lvl="1"/>
+            <a:r>
+              <a:rPr lang="en-US" dirty="0"/>
+              <a:t>Inducing fear and panic</a:t>
             </a:r>
           </a:p>
           <a:p>
@@ -9245,7 +10103,7 @@
           <a:p>
             <a:fld id="{11EDCD7B-6966-E249-89F2-D46BDFBF56BE}" type="datetime1">
               <a:rPr lang="fi-FI" smtClean="0"/>
-              <a:t>27.11.2024</a:t>
+              <a:t>28.11.2024</a:t>
             </a:fld>
             <a:endParaRPr lang="en-GB" dirty="0"/>
           </a:p>
@@ -9317,6 +10175,66 @@
           </a:p>
         </p:txBody>
       </p:sp>
+      <p:pic>
+        <p:nvPicPr>
+          <p:cNvPr id="12" name="Picture 11" descr="A screenshot of a computer&#10;&#10;Description automatically generated">
+            <a:extLst>
+              <a:ext uri="{FF2B5EF4-FFF2-40B4-BE49-F238E27FC236}">
+                <a16:creationId xmlns:a16="http://schemas.microsoft.com/office/drawing/2014/main" id="{577B82BB-535A-41F8-3500-40CC1B31F935}"/>
+              </a:ext>
+            </a:extLst>
+          </p:cNvPr>
+          <p:cNvPicPr>
+            <a:picLocks noChangeAspect="1"/>
+          </p:cNvPicPr>
+          <p:nvPr/>
+        </p:nvPicPr>
+        <p:blipFill>
+          <a:blip r:embed="rId2"/>
+          <a:stretch>
+            <a:fillRect/>
+          </a:stretch>
+        </p:blipFill>
+        <p:spPr>
+          <a:xfrm>
+            <a:off x="6856810" y="3625719"/>
+            <a:ext cx="5179024" cy="2420401"/>
+          </a:xfrm>
+          <a:prstGeom prst="rect">
+            <a:avLst/>
+          </a:prstGeom>
+          <a:solidFill>
+            <a:srgbClr val="FFFFFF">
+              <a:shade val="85000"/>
+            </a:srgbClr>
+          </a:solidFill>
+          <a:ln w="88900" cap="sq">
+            <a:solidFill>
+              <a:srgbClr val="FFFFFF"/>
+            </a:solidFill>
+            <a:miter lim="800000"/>
+          </a:ln>
+          <a:effectLst>
+            <a:outerShdw blurRad="55000" dist="18000" dir="5400000" algn="tl" rotWithShape="0">
+              <a:srgbClr val="000000">
+                <a:alpha val="40000"/>
+              </a:srgbClr>
+            </a:outerShdw>
+          </a:effectLst>
+          <a:scene3d>
+            <a:camera prst="orthographicFront"/>
+            <a:lightRig rig="twoPt" dir="t">
+              <a:rot lat="0" lon="0" rev="7200000"/>
+            </a:lightRig>
+          </a:scene3d>
+          <a:sp3d>
+            <a:bevelT w="25400" h="19050"/>
+            <a:contourClr>
+              <a:srgbClr val="FFFFFF"/>
+            </a:contourClr>
+          </a:sp3d>
+        </p:spPr>
+      </p:pic>
     </p:spTree>
     <p:extLst>
       <p:ext uri="{BB962C8B-B14F-4D97-AF65-F5344CB8AC3E}">
@@ -9338,7 +10256,7 @@
         <p:cNvPr id="1" name="">
           <a:extLst>
             <a:ext uri="{FF2B5EF4-FFF2-40B4-BE49-F238E27FC236}">
-              <a16:creationId xmlns:a16="http://schemas.microsoft.com/office/drawing/2014/main" id="{CD2A8CD7-A992-C395-E3F8-352B3BDCB5AF}"/>
+              <a16:creationId xmlns:a16="http://schemas.microsoft.com/office/drawing/2014/main" id="{BF3D67E8-E54D-B9D6-A931-2E9F55653E53}"/>
             </a:ext>
           </a:extLst>
         </p:cNvPr>
@@ -9358,7 +10276,7 @@
           <p:cNvPr id="2" name="Title 1">
             <a:extLst>
               <a:ext uri="{FF2B5EF4-FFF2-40B4-BE49-F238E27FC236}">
-                <a16:creationId xmlns:a16="http://schemas.microsoft.com/office/drawing/2014/main" id="{F4D50C4E-D607-3637-CDB0-AC934EAE60F9}"/>
+                <a16:creationId xmlns:a16="http://schemas.microsoft.com/office/drawing/2014/main" id="{A60D1B18-5C23-9922-BFC0-9FDB8B44FDC2}"/>
               </a:ext>
             </a:extLst>
           </p:cNvPr>
@@ -9371,52 +10289,78 @@
         </p:nvSpPr>
         <p:spPr/>
         <p:txBody>
+          <a:bodyPr>
+            <a:normAutofit/>
+          </a:bodyPr>
+          <a:lstStyle/>
+          <a:p>
+            <a:r>
+              <a:rPr lang="en-US" dirty="0"/>
+              <a:t>Infected boot sector, the silent killer </a:t>
+            </a:r>
+            <a:br>
+              <a:rPr lang="en-US" dirty="0"/>
+            </a:br>
+            <a:endParaRPr lang="en-US" dirty="0"/>
+          </a:p>
+        </p:txBody>
+      </p:sp>
+      <p:sp>
+        <p:nvSpPr>
+          <p:cNvPr id="3" name="Content Placeholder 2">
+            <a:extLst>
+              <a:ext uri="{FF2B5EF4-FFF2-40B4-BE49-F238E27FC236}">
+                <a16:creationId xmlns:a16="http://schemas.microsoft.com/office/drawing/2014/main" id="{6F0BAF8D-D76E-C149-5100-78D94635E9B2}"/>
+              </a:ext>
+            </a:extLst>
+          </p:cNvPr>
+          <p:cNvSpPr>
+            <a:spLocks noGrp="1"/>
+          </p:cNvSpPr>
+          <p:nvPr>
+            <p:ph sz="half" idx="2"/>
+          </p:nvPr>
+        </p:nvSpPr>
+        <p:spPr/>
+        <p:txBody>
           <a:bodyPr/>
           <a:lstStyle/>
           <a:p>
             <a:r>
-              <a:rPr lang="en-US" sz="3600" dirty="0"/>
-              <a:t>USB mass storage devices</a:t>
-            </a:r>
-          </a:p>
-        </p:txBody>
-      </p:sp>
-      <p:sp>
-        <p:nvSpPr>
-          <p:cNvPr id="3" name="Content Placeholder 2">
-            <a:extLst>
-              <a:ext uri="{FF2B5EF4-FFF2-40B4-BE49-F238E27FC236}">
-                <a16:creationId xmlns:a16="http://schemas.microsoft.com/office/drawing/2014/main" id="{56ED3535-6C06-D1A4-5762-684682124F49}"/>
-              </a:ext>
-            </a:extLst>
-          </p:cNvPr>
-          <p:cNvSpPr>
-            <a:spLocks noGrp="1"/>
-          </p:cNvSpPr>
-          <p:nvPr>
-            <p:ph sz="half" idx="2"/>
-          </p:nvPr>
-        </p:nvSpPr>
-        <p:spPr/>
-        <p:txBody>
-          <a:bodyPr/>
-          <a:lstStyle/>
-          <a:p>
-            <a:r>
               <a:rPr lang="en-US" dirty="0"/>
-              <a:t>By far the most convenient way to deliver a payload</a:t>
+              <a:t>Boot sector is an area located usually in the first partition of a disc.</a:t>
             </a:r>
           </a:p>
           <a:p>
             <a:r>
               <a:rPr lang="en-US" dirty="0"/>
-              <a:t>Devices are cheap, can be produced in mass</a:t>
-            </a:r>
-          </a:p>
-          <a:p>
+              <a:t> At boot, computers look at the active partitions and checks if they are bootable.</a:t>
+            </a:r>
+          </a:p>
+          <a:p>
+            <a:pPr lvl="1"/>
             <a:r>
               <a:rPr lang="en-US" dirty="0"/>
-              <a:t>A common and familiar storage device for people</a:t>
+              <a:t>Does it contain code that the computers firmware (BIOS / UEFI) can execute.</a:t>
+            </a:r>
+          </a:p>
+          <a:p>
+            <a:r>
+              <a:rPr lang="en-US" dirty="0"/>
+              <a:t>This is a normal procedure and is how operating systems are loaded.</a:t>
+            </a:r>
+          </a:p>
+          <a:p>
+            <a:r>
+              <a:rPr lang="en-US" dirty="0"/>
+              <a:t>An infected boot sector loads malicious code to RAM, altering or replacing the computers original boot code.</a:t>
+            </a:r>
+          </a:p>
+          <a:p>
+            <a:pPr lvl="1"/>
+            <a:r>
+              <a:rPr lang="en-US" dirty="0"/>
+              <a:t>After this the malware is loaded every time the computer boots.</a:t>
             </a:r>
           </a:p>
         </p:txBody>
@@ -9426,7 +10370,7 @@
           <p:cNvPr id="4" name="Date Placeholder 3">
             <a:extLst>
               <a:ext uri="{FF2B5EF4-FFF2-40B4-BE49-F238E27FC236}">
-                <a16:creationId xmlns:a16="http://schemas.microsoft.com/office/drawing/2014/main" id="{1B909D68-D1D0-53E4-20BD-D2F9E8F1DF24}"/>
+                <a16:creationId xmlns:a16="http://schemas.microsoft.com/office/drawing/2014/main" id="{0F8F5E18-DF0B-53F3-B3A1-CCA72E87B691}"/>
               </a:ext>
             </a:extLst>
           </p:cNvPr>
@@ -9444,7 +10388,7 @@
           <a:p>
             <a:fld id="{11EDCD7B-6966-E249-89F2-D46BDFBF56BE}" type="datetime1">
               <a:rPr lang="fi-FI" smtClean="0"/>
-              <a:t>27.11.2024</a:t>
+              <a:t>28.11.2024</a:t>
             </a:fld>
             <a:endParaRPr lang="en-GB" dirty="0"/>
           </a:p>
@@ -9455,7 +10399,7 @@
           <p:cNvPr id="5" name="Footer Placeholder 4">
             <a:extLst>
               <a:ext uri="{FF2B5EF4-FFF2-40B4-BE49-F238E27FC236}">
-                <a16:creationId xmlns:a16="http://schemas.microsoft.com/office/drawing/2014/main" id="{CF01B57A-A5EF-D245-DC9C-46417F83D027}"/>
+                <a16:creationId xmlns:a16="http://schemas.microsoft.com/office/drawing/2014/main" id="{E50E64BB-EAE5-E82D-126B-8401AC2E29D5}"/>
               </a:ext>
             </a:extLst>
           </p:cNvPr>
@@ -9492,7 +10436,7 @@
           <p:cNvPr id="6" name="Slide Number Placeholder 5">
             <a:extLst>
               <a:ext uri="{FF2B5EF4-FFF2-40B4-BE49-F238E27FC236}">
-                <a16:creationId xmlns:a16="http://schemas.microsoft.com/office/drawing/2014/main" id="{DAFECECD-7979-DABB-53B6-91EE612791AA}"/>
+                <a16:creationId xmlns:a16="http://schemas.microsoft.com/office/drawing/2014/main" id="{F254E8D5-9D7B-852E-A78A-8CFA8BCA6227}"/>
               </a:ext>
             </a:extLst>
           </p:cNvPr>
@@ -9516,10 +10460,70 @@
           </a:p>
         </p:txBody>
       </p:sp>
+      <p:pic>
+        <p:nvPicPr>
+          <p:cNvPr id="10" name="Picture 9" descr="A blue and white rectangular object with black text&#10;&#10;Description automatically generated">
+            <a:extLst>
+              <a:ext uri="{FF2B5EF4-FFF2-40B4-BE49-F238E27FC236}">
+                <a16:creationId xmlns:a16="http://schemas.microsoft.com/office/drawing/2014/main" id="{688682E6-9D4D-E6E1-7C7D-248226ABE242}"/>
+              </a:ext>
+            </a:extLst>
+          </p:cNvPr>
+          <p:cNvPicPr>
+            <a:picLocks noChangeAspect="1"/>
+          </p:cNvPicPr>
+          <p:nvPr/>
+        </p:nvPicPr>
+        <p:blipFill>
+          <a:blip r:embed="rId2"/>
+          <a:stretch>
+            <a:fillRect/>
+          </a:stretch>
+        </p:blipFill>
+        <p:spPr>
+          <a:xfrm>
+            <a:off x="567107" y="4519128"/>
+            <a:ext cx="10578612" cy="1483852"/>
+          </a:xfrm>
+          <a:prstGeom prst="rect">
+            <a:avLst/>
+          </a:prstGeom>
+          <a:solidFill>
+            <a:srgbClr val="FFFFFF">
+              <a:shade val="85000"/>
+            </a:srgbClr>
+          </a:solidFill>
+          <a:ln w="88900" cap="sq">
+            <a:solidFill>
+              <a:srgbClr val="FFFFFF"/>
+            </a:solidFill>
+            <a:miter lim="800000"/>
+          </a:ln>
+          <a:effectLst>
+            <a:outerShdw blurRad="55000" dist="18000" dir="5400000" algn="tl" rotWithShape="0">
+              <a:srgbClr val="000000">
+                <a:alpha val="40000"/>
+              </a:srgbClr>
+            </a:outerShdw>
+          </a:effectLst>
+          <a:scene3d>
+            <a:camera prst="orthographicFront"/>
+            <a:lightRig rig="twoPt" dir="t">
+              <a:rot lat="0" lon="0" rev="7200000"/>
+            </a:lightRig>
+          </a:scene3d>
+          <a:sp3d>
+            <a:bevelT w="25400" h="19050"/>
+            <a:contourClr>
+              <a:srgbClr val="FFFFFF"/>
+            </a:contourClr>
+          </a:sp3d>
+        </p:spPr>
+      </p:pic>
     </p:spTree>
     <p:extLst>
       <p:ext uri="{BB962C8B-B14F-4D97-AF65-F5344CB8AC3E}">
-        <p14:creationId xmlns:p14="http://schemas.microsoft.com/office/powerpoint/2010/main" val="2187017112"/>
+        <p14:creationId xmlns:p14="http://schemas.microsoft.com/office/powerpoint/2010/main" val="724966634"/>
       </p:ext>
     </p:extLst>
   </p:cSld>
@@ -9537,7 +10541,7 @@
         <p:cNvPr id="1" name="">
           <a:extLst>
             <a:ext uri="{FF2B5EF4-FFF2-40B4-BE49-F238E27FC236}">
-              <a16:creationId xmlns:a16="http://schemas.microsoft.com/office/drawing/2014/main" id="{CB19B904-EE75-8350-D262-4B259909EB0C}"/>
+              <a16:creationId xmlns:a16="http://schemas.microsoft.com/office/drawing/2014/main" id="{F3CC2B05-F6AB-E4CD-DB90-AE4C4EAF780D}"/>
             </a:ext>
           </a:extLst>
         </p:cNvPr>
@@ -9557,7 +10561,7 @@
           <p:cNvPr id="2" name="Title 1">
             <a:extLst>
               <a:ext uri="{FF2B5EF4-FFF2-40B4-BE49-F238E27FC236}">
-                <a16:creationId xmlns:a16="http://schemas.microsoft.com/office/drawing/2014/main" id="{CFAF63D4-24F6-4AC0-CFD2-6002B01AF9EF}"/>
+                <a16:creationId xmlns:a16="http://schemas.microsoft.com/office/drawing/2014/main" id="{8FB76A25-0DF3-1056-67BF-D83BBD59E600}"/>
               </a:ext>
             </a:extLst>
           </p:cNvPr>
@@ -9585,7 +10589,7 @@
           <p:cNvPr id="3" name="Content Placeholder 2">
             <a:extLst>
               <a:ext uri="{FF2B5EF4-FFF2-40B4-BE49-F238E27FC236}">
-                <a16:creationId xmlns:a16="http://schemas.microsoft.com/office/drawing/2014/main" id="{04C073C3-3FD7-F769-AB11-393318505640}"/>
+                <a16:creationId xmlns:a16="http://schemas.microsoft.com/office/drawing/2014/main" id="{6B5EC45B-0A45-934C-ADAA-54514ACDEFEA}"/>
               </a:ext>
             </a:extLst>
           </p:cNvPr>
@@ -9596,14 +10600,19 @@
             <p:ph sz="half" idx="2"/>
           </p:nvPr>
         </p:nvSpPr>
-        <p:spPr/>
+        <p:spPr>
+          <a:xfrm>
+            <a:off x="550864" y="1773237"/>
+            <a:ext cx="11125198" cy="4338393"/>
+          </a:xfrm>
+        </p:spPr>
         <p:txBody>
           <a:bodyPr/>
           <a:lstStyle/>
           <a:p>
             <a:r>
               <a:rPr lang="en-US" dirty="0"/>
-              <a:t>By far the most convenient way to deliver a payload</a:t>
+              <a:t>By far the most convenient way to deliver a payload on a physical device</a:t>
             </a:r>
           </a:p>
           <a:p>
@@ -9618,6 +10627,54 @@
               <a:t>A common and familiar storage device for people</a:t>
             </a:r>
           </a:p>
+          <a:p>
+            <a:r>
+              <a:rPr lang="en-US" dirty="0"/>
+              <a:t>Since USB (Universal Serial Bus) is an industry standard, this creates an intriguing attack vector for payload delivery.</a:t>
+            </a:r>
+          </a:p>
+          <a:p>
+            <a:r>
+              <a:rPr lang="en-US" dirty="0"/>
+              <a:t>Computers use USB enumeration on device insertion to determine what device was inserted, malware can be delivered without user interaction.</a:t>
+            </a:r>
+          </a:p>
+          <a:p>
+            <a:r>
+              <a:rPr lang="en-US" dirty="0"/>
+              <a:t>Examples:</a:t>
+            </a:r>
+          </a:p>
+          <a:p>
+            <a:pPr lvl="1"/>
+            <a:r>
+              <a:rPr lang="en-US" dirty="0"/>
+              <a:t>BadUSB: Can act as a human interface device (Emulates a Keyboard for Keystroke Injection) or a storage device </a:t>
+            </a:r>
+          </a:p>
+          <a:p>
+            <a:pPr lvl="1"/>
+            <a:r>
+              <a:rPr lang="en-US" dirty="0" err="1"/>
+              <a:t>KillerUSB</a:t>
+            </a:r>
+            <a:r>
+              <a:rPr lang="en-US" dirty="0"/>
+              <a:t>:  Aims to harm or destroy the computer that it’s attached to by discharging electricity to it.</a:t>
+            </a:r>
+          </a:p>
+          <a:p>
+            <a:pPr lvl="1"/>
+            <a:endParaRPr lang="en-US" dirty="0"/>
+          </a:p>
+          <a:p>
+            <a:pPr lvl="1"/>
+            <a:endParaRPr lang="en-US" dirty="0"/>
+          </a:p>
+          <a:p>
+            <a:pPr lvl="1"/>
+            <a:endParaRPr lang="en-US" dirty="0"/>
+          </a:p>
         </p:txBody>
       </p:sp>
       <p:sp>
@@ -9625,7 +10682,7 @@
           <p:cNvPr id="4" name="Date Placeholder 3">
             <a:extLst>
               <a:ext uri="{FF2B5EF4-FFF2-40B4-BE49-F238E27FC236}">
-                <a16:creationId xmlns:a16="http://schemas.microsoft.com/office/drawing/2014/main" id="{FAC67318-4633-A8FB-DF8F-CCD41B83D23B}"/>
+                <a16:creationId xmlns:a16="http://schemas.microsoft.com/office/drawing/2014/main" id="{ACA24C7F-55BD-2A53-827F-6449A8B4EC21}"/>
               </a:ext>
             </a:extLst>
           </p:cNvPr>
@@ -9643,7 +10700,7 @@
           <a:p>
             <a:fld id="{11EDCD7B-6966-E249-89F2-D46BDFBF56BE}" type="datetime1">
               <a:rPr lang="fi-FI" smtClean="0"/>
-              <a:t>27.11.2024</a:t>
+              <a:t>28.11.2024</a:t>
             </a:fld>
             <a:endParaRPr lang="en-GB" dirty="0"/>
           </a:p>
@@ -9654,7 +10711,7 @@
           <p:cNvPr id="5" name="Footer Placeholder 4">
             <a:extLst>
               <a:ext uri="{FF2B5EF4-FFF2-40B4-BE49-F238E27FC236}">
-                <a16:creationId xmlns:a16="http://schemas.microsoft.com/office/drawing/2014/main" id="{5DCAFD3F-C2A7-DDB7-1A99-91FDAD11CE4D}"/>
+                <a16:creationId xmlns:a16="http://schemas.microsoft.com/office/drawing/2014/main" id="{FFC2BE60-0228-DD3C-14E1-40893D6A90F0}"/>
               </a:ext>
             </a:extLst>
           </p:cNvPr>
@@ -9691,7 +10748,7 @@
           <p:cNvPr id="6" name="Slide Number Placeholder 5">
             <a:extLst>
               <a:ext uri="{FF2B5EF4-FFF2-40B4-BE49-F238E27FC236}">
-                <a16:creationId xmlns:a16="http://schemas.microsoft.com/office/drawing/2014/main" id="{CBA186F1-DCC6-070B-C385-DEFC75FD1E53}"/>
+                <a16:creationId xmlns:a16="http://schemas.microsoft.com/office/drawing/2014/main" id="{29D0A126-21EA-01B7-327F-5FAADD70D3BA}"/>
               </a:ext>
             </a:extLst>
           </p:cNvPr>
@@ -9718,7 +10775,7 @@
     </p:spTree>
     <p:extLst>
       <p:ext uri="{BB962C8B-B14F-4D97-AF65-F5344CB8AC3E}">
-        <p14:creationId xmlns:p14="http://schemas.microsoft.com/office/powerpoint/2010/main" val="1779179830"/>
+        <p14:creationId xmlns:p14="http://schemas.microsoft.com/office/powerpoint/2010/main" val="524942086"/>
       </p:ext>
     </p:extLst>
   </p:cSld>
@@ -10285,21 +11342,21 @@
 </file>
 
 <file path=customXml/item1.xml><?xml version="1.0" encoding="utf-8"?>
+<?mso-contentType ?>
+<FormTemplates xmlns="http://schemas.microsoft.com/sharepoint/v3/contenttype/forms">
+  <Display>DocumentLibraryForm</Display>
+  <Edit>DocumentLibraryForm</Edit>
+  <New>DocumentLibraryForm</New>
+</FormTemplates>
+</file>
+
+<file path=customXml/item2.xml><?xml version="1.0" encoding="utf-8"?>
 <p:properties xmlns:p="http://schemas.microsoft.com/office/2006/metadata/properties" xmlns:xsi="http://www.w3.org/2001/XMLSchema-instance" xmlns:pc="http://schemas.microsoft.com/office/infopath/2007/PartnerControls">
   <documentManagement>
     <PublishingExpirationDate xmlns="http://schemas.microsoft.com/sharepoint/v3" xsi:nil="true"/>
     <PublishingStartDate xmlns="http://schemas.microsoft.com/sharepoint/v3" xsi:nil="true"/>
   </documentManagement>
 </p:properties>
-</file>
-
-<file path=customXml/item2.xml><?xml version="1.0" encoding="utf-8"?>
-<?mso-contentType ?>
-<FormTemplates xmlns="http://schemas.microsoft.com/sharepoint/v3/contenttype/forms">
-  <Display>DocumentLibraryForm</Display>
-  <Edit>DocumentLibraryForm</Edit>
-  <New>DocumentLibraryForm</New>
-</FormTemplates>
 </file>
 
 <file path=customXml/item3.xml><?xml version="1.0" encoding="utf-8"?>
@@ -10435,6 +11492,14 @@
 </file>
 
 <file path=customXml/itemProps1.xml><?xml version="1.0" encoding="utf-8"?>
+<ds:datastoreItem xmlns:ds="http://schemas.openxmlformats.org/officeDocument/2006/customXml" ds:itemID="{D546C03B-CD3A-4EA0-AAA4-0E00E896454E}">
+  <ds:schemaRefs>
+    <ds:schemaRef ds:uri="http://schemas.microsoft.com/sharepoint/v3/contenttype/forms"/>
+  </ds:schemaRefs>
+</ds:datastoreItem>
+</file>
+
+<file path=customXml/itemProps2.xml><?xml version="1.0" encoding="utf-8"?>
 <ds:datastoreItem xmlns:ds="http://schemas.openxmlformats.org/officeDocument/2006/customXml" ds:itemID="{DED4E12E-7268-4B03-A47B-0755D62B5E31}">
   <ds:schemaRefs>
     <ds:schemaRef ds:uri="http://purl.org/dc/elements/1.1/"/>
@@ -10446,14 +11511,6 @@
     <ds:schemaRef ds:uri="http://schemas.microsoft.com/office/infopath/2007/PartnerControls"/>
     <ds:schemaRef ds:uri="http://schemas.microsoft.com/sharepoint/v3"/>
     <ds:schemaRef ds:uri="http://www.w3.org/XML/1998/namespace"/>
-  </ds:schemaRefs>
-</ds:datastoreItem>
-</file>
-
-<file path=customXml/itemProps2.xml><?xml version="1.0" encoding="utf-8"?>
-<ds:datastoreItem xmlns:ds="http://schemas.openxmlformats.org/officeDocument/2006/customXml" ds:itemID="{D546C03B-CD3A-4EA0-AAA4-0E00E896454E}">
-  <ds:schemaRefs>
-    <ds:schemaRef ds:uri="http://schemas.microsoft.com/sharepoint/v3/contenttype/forms"/>
   </ds:schemaRefs>
 </ds:datastoreItem>
 </file>
